--- a/projeeect.pptx
+++ b/projeeect.pptx
@@ -2,10 +2,14 @@
 <file path=ppt/presentation.xml><?xml version="1.0" encoding="utf-8"?>
 <p:presentation xmlns:a="http://schemas.openxmlformats.org/drawingml/2006/main" xmlns:r="http://schemas.openxmlformats.org/officeDocument/2006/relationships" xmlns:p="http://schemas.openxmlformats.org/presentationml/2006/main" saveSubsetFonts="1">
   <p:sldMasterIdLst>
-    <p:sldMasterId id="2147483648" r:id="rId1"/>
+    <p:sldMasterId id="2147483840" r:id="rId1"/>
   </p:sldMasterIdLst>
   <p:sldIdLst>
     <p:sldId id="256" r:id="rId2"/>
+    <p:sldId id="257" r:id="rId3"/>
+    <p:sldId id="258" r:id="rId4"/>
+    <p:sldId id="259" r:id="rId5"/>
+    <p:sldId id="260" r:id="rId6"/>
   </p:sldIdLst>
   <p:sldSz cx="12192000" cy="6858000"/>
   <p:notesSz cx="6858000" cy="9144000"/>
@@ -104,12 +108,36 @@
       </a:defRPr>
     </a:lvl9pPr>
   </p:defaultTextStyle>
+  <p:extLst>
+    <p:ext uri="{EFAFB233-063F-42B5-8137-9DF3F51BA10A}">
+      <p15:sldGuideLst xmlns:p15="http://schemas.microsoft.com/office/powerpoint/2012/main">
+        <p15:guide id="1" orient="horz" pos="2160" userDrawn="1">
+          <p15:clr>
+            <a:srgbClr val="A4A3A4"/>
+          </p15:clr>
+        </p15:guide>
+        <p15:guide id="2" pos="3840" userDrawn="1">
+          <p15:clr>
+            <a:srgbClr val="A4A3A4"/>
+          </p15:clr>
+        </p15:guide>
+      </p15:sldGuideLst>
+    </p:ext>
+  </p:extLst>
 </p:presentation>
 </file>
 
 <file path=ppt/slideLayouts/slideLayout1.xml><?xml version="1.0" encoding="utf-8"?>
 <p:sldLayout xmlns:a="http://schemas.openxmlformats.org/drawingml/2006/main" xmlns:r="http://schemas.openxmlformats.org/officeDocument/2006/relationships" xmlns:p="http://schemas.openxmlformats.org/presentationml/2006/main" type="title" preserve="1">
   <p:cSld name="Титульный слайд">
+    <p:bg>
+      <p:bgPr>
+        <a:solidFill>
+          <a:schemeClr val="accent1"/>
+        </a:solidFill>
+        <a:effectLst/>
+      </p:bgPr>
+    </p:bg>
     <p:spTree>
       <p:nvGrpSpPr>
         <p:cNvPr id="1" name=""/>
@@ -126,25 +154,69 @@
       </p:grpSpPr>
       <p:sp>
         <p:nvSpPr>
-          <p:cNvPr id="2" name="Заголовок 1"/>
-          <p:cNvSpPr>
-            <a:spLocks noGrp="1"/>
-          </p:cNvSpPr>
-          <p:nvPr>
-            <p:ph type="ctrTitle"/>
-          </p:nvPr>
+          <p:cNvPr id="4" name="Rectangle 3"/>
+          <p:cNvSpPr/>
+          <p:nvPr/>
         </p:nvSpPr>
         <p:spPr>
           <a:xfrm>
-            <a:off x="1524000" y="1122363"/>
-            <a:ext cx="9144000" cy="2387600"/>
+            <a:off x="0" y="0"/>
+            <a:ext cx="12192000" cy="6858000"/>
+          </a:xfrm>
+          <a:prstGeom prst="rect">
+            <a:avLst/>
+          </a:prstGeom>
+          <a:ln>
+            <a:noFill/>
+          </a:ln>
+        </p:spPr>
+        <p:style>
+          <a:lnRef idx="2">
+            <a:schemeClr val="accent1">
+              <a:shade val="50000"/>
+            </a:schemeClr>
+          </a:lnRef>
+          <a:fillRef idx="1">
+            <a:schemeClr val="accent1"/>
+          </a:fillRef>
+          <a:effectRef idx="0">
+            <a:schemeClr val="accent1"/>
+          </a:effectRef>
+          <a:fontRef idx="minor">
+            <a:schemeClr val="lt1"/>
+          </a:fontRef>
+        </p:style>
+      </p:sp>
+      <p:sp>
+        <p:nvSpPr>
+          <p:cNvPr id="2" name="Title 1"/>
+          <p:cNvSpPr>
+            <a:spLocks noGrp="1"/>
+          </p:cNvSpPr>
+          <p:nvPr>
+            <p:ph type="ctrTitle"/>
+          </p:nvPr>
+        </p:nvSpPr>
+        <p:spPr>
+          <a:xfrm>
+            <a:off x="603504" y="770467"/>
+            <a:ext cx="10782300" cy="3352800"/>
           </a:xfrm>
         </p:spPr>
         <p:txBody>
-          <a:bodyPr anchor="b"/>
+          <a:bodyPr anchor="b">
+            <a:noAutofit/>
+          </a:bodyPr>
           <a:lstStyle>
-            <a:lvl1pPr algn="ctr">
-              <a:defRPr sz="6000"/>
+            <a:lvl1pPr algn="l">
+              <a:lnSpc>
+                <a:spcPct val="80000"/>
+              </a:lnSpc>
+              <a:defRPr sz="8800" spc="-120" baseline="0">
+                <a:solidFill>
+                  <a:srgbClr val="FFFFFF"/>
+                </a:solidFill>
+              </a:defRPr>
             </a:lvl1pPr>
           </a:lstStyle>
           <a:p>
@@ -152,13 +224,13 @@
               <a:rPr lang="ru-RU" smtClean="0"/>
               <a:t>Образец заголовка</a:t>
             </a:r>
-            <a:endParaRPr lang="ru-RU"/>
-          </a:p>
-        </p:txBody>
-      </p:sp>
-      <p:sp>
-        <p:nvSpPr>
-          <p:cNvPr id="3" name="Подзаголовок 2"/>
+            <a:endParaRPr lang="en-US" dirty="0"/>
+          </a:p>
+        </p:txBody>
+      </p:sp>
+      <p:sp>
+        <p:nvSpPr>
+          <p:cNvPr id="3" name="Subtitle 2"/>
           <p:cNvSpPr>
             <a:spLocks noGrp="1"/>
           </p:cNvSpPr>
@@ -168,77 +240,94 @@
         </p:nvSpPr>
         <p:spPr>
           <a:xfrm>
-            <a:off x="1524000" y="3602038"/>
-            <a:ext cx="9144000" cy="1655762"/>
+            <a:off x="667512" y="4206876"/>
+            <a:ext cx="9228201" cy="1645920"/>
           </a:xfrm>
         </p:spPr>
         <p:txBody>
+          <a:bodyPr>
+            <a:normAutofit/>
+          </a:bodyPr>
+          <a:lstStyle>
+            <a:lvl1pPr marL="0" indent="0" algn="l">
+              <a:buNone/>
+              <a:defRPr sz="3200">
+                <a:solidFill>
+                  <a:schemeClr val="bg1"/>
+                </a:solidFill>
+                <a:latin typeface="+mj-lt"/>
+              </a:defRPr>
+            </a:lvl1pPr>
+            <a:lvl2pPr marL="457200" indent="0" algn="ctr">
+              <a:buNone/>
+              <a:defRPr sz="2800"/>
+            </a:lvl2pPr>
+            <a:lvl3pPr marL="914400" indent="0" algn="ctr">
+              <a:buNone/>
+              <a:defRPr sz="2400"/>
+            </a:lvl3pPr>
+            <a:lvl4pPr marL="1371600" indent="0" algn="ctr">
+              <a:buNone/>
+              <a:defRPr sz="2000"/>
+            </a:lvl4pPr>
+            <a:lvl5pPr marL="1828800" indent="0" algn="ctr">
+              <a:buNone/>
+              <a:defRPr sz="2000"/>
+            </a:lvl5pPr>
+            <a:lvl6pPr marL="2286000" indent="0" algn="ctr">
+              <a:buNone/>
+              <a:defRPr sz="2000"/>
+            </a:lvl6pPr>
+            <a:lvl7pPr marL="2743200" indent="0" algn="ctr">
+              <a:buNone/>
+              <a:defRPr sz="2000"/>
+            </a:lvl7pPr>
+            <a:lvl8pPr marL="3200400" indent="0" algn="ctr">
+              <a:buNone/>
+              <a:defRPr sz="2000"/>
+            </a:lvl8pPr>
+            <a:lvl9pPr marL="3657600" indent="0" algn="ctr">
+              <a:buNone/>
+              <a:defRPr sz="2000"/>
+            </a:lvl9pPr>
+          </a:lstStyle>
+          <a:p>
+            <a:r>
+              <a:rPr lang="ru-RU" smtClean="0"/>
+              <a:t>Образец подзаголовка</a:t>
+            </a:r>
+            <a:endParaRPr lang="en-US" dirty="0"/>
+          </a:p>
+        </p:txBody>
+      </p:sp>
+      <p:sp>
+        <p:nvSpPr>
+          <p:cNvPr id="7" name="Date Placeholder 6"/>
+          <p:cNvSpPr>
+            <a:spLocks noGrp="1"/>
+          </p:cNvSpPr>
+          <p:nvPr>
+            <p:ph type="dt" sz="half" idx="10"/>
+          </p:nvPr>
+        </p:nvSpPr>
+        <p:spPr/>
+        <p:txBody>
           <a:bodyPr/>
           <a:lstStyle>
-            <a:lvl1pPr marL="0" indent="0" algn="ctr">
-              <a:buNone/>
-              <a:defRPr sz="2400"/>
+            <a:lvl1pPr>
+              <a:defRPr>
+                <a:solidFill>
+                  <a:srgbClr val="FFFFFF">
+                    <a:alpha val="80000"/>
+                  </a:srgbClr>
+                </a:solidFill>
+              </a:defRPr>
             </a:lvl1pPr>
-            <a:lvl2pPr marL="457200" indent="0" algn="ctr">
-              <a:buNone/>
-              <a:defRPr sz="2000"/>
-            </a:lvl2pPr>
-            <a:lvl3pPr marL="914400" indent="0" algn="ctr">
-              <a:buNone/>
-              <a:defRPr sz="1800"/>
-            </a:lvl3pPr>
-            <a:lvl4pPr marL="1371600" indent="0" algn="ctr">
-              <a:buNone/>
-              <a:defRPr sz="1600"/>
-            </a:lvl4pPr>
-            <a:lvl5pPr marL="1828800" indent="0" algn="ctr">
-              <a:buNone/>
-              <a:defRPr sz="1600"/>
-            </a:lvl5pPr>
-            <a:lvl6pPr marL="2286000" indent="0" algn="ctr">
-              <a:buNone/>
-              <a:defRPr sz="1600"/>
-            </a:lvl6pPr>
-            <a:lvl7pPr marL="2743200" indent="0" algn="ctr">
-              <a:buNone/>
-              <a:defRPr sz="1600"/>
-            </a:lvl7pPr>
-            <a:lvl8pPr marL="3200400" indent="0" algn="ctr">
-              <a:buNone/>
-              <a:defRPr sz="1600"/>
-            </a:lvl8pPr>
-            <a:lvl9pPr marL="3657600" indent="0" algn="ctr">
-              <a:buNone/>
-              <a:defRPr sz="1600"/>
-            </a:lvl9pPr>
           </a:lstStyle>
           <a:p>
-            <a:r>
-              <a:rPr lang="ru-RU" smtClean="0"/>
-              <a:t>Образец подзаголовка</a:t>
-            </a:r>
-            <a:endParaRPr lang="ru-RU"/>
-          </a:p>
-        </p:txBody>
-      </p:sp>
-      <p:sp>
-        <p:nvSpPr>
-          <p:cNvPr id="4" name="Дата 3"/>
-          <p:cNvSpPr>
-            <a:spLocks noGrp="1"/>
-          </p:cNvSpPr>
-          <p:nvPr>
-            <p:ph type="dt" sz="half" idx="10"/>
-          </p:nvPr>
-        </p:nvSpPr>
-        <p:spPr/>
-        <p:txBody>
-          <a:bodyPr/>
-          <a:lstStyle/>
-          <a:p>
             <a:fld id="{853C61C4-4604-43D7-95F9-88C3200C335D}" type="datetimeFigureOut">
               <a:rPr lang="ru-RU" smtClean="0"/>
-              <a:t>08.11.2021</a:t>
+              <a:t>17.11.2021</a:t>
             </a:fld>
             <a:endParaRPr lang="ru-RU"/>
           </a:p>
@@ -246,7 +335,7 @@
       </p:sp>
       <p:sp>
         <p:nvSpPr>
-          <p:cNvPr id="5" name="Нижний колонтитул 4"/>
+          <p:cNvPr id="8" name="Footer Placeholder 7"/>
           <p:cNvSpPr>
             <a:spLocks noGrp="1"/>
           </p:cNvSpPr>
@@ -257,7 +346,17 @@
         <p:spPr/>
         <p:txBody>
           <a:bodyPr/>
-          <a:lstStyle/>
+          <a:lstStyle>
+            <a:lvl1pPr>
+              <a:defRPr>
+                <a:solidFill>
+                  <a:srgbClr val="FFFFFF">
+                    <a:alpha val="80000"/>
+                  </a:srgbClr>
+                </a:solidFill>
+              </a:defRPr>
+            </a:lvl1pPr>
+          </a:lstStyle>
           <a:p>
             <a:endParaRPr lang="ru-RU"/>
           </a:p>
@@ -265,7 +364,7 @@
       </p:sp>
       <p:sp>
         <p:nvSpPr>
-          <p:cNvPr id="6" name="Номер слайда 5"/>
+          <p:cNvPr id="9" name="Slide Number Placeholder 8"/>
           <p:cNvSpPr>
             <a:spLocks noGrp="1"/>
           </p:cNvSpPr>
@@ -276,7 +375,17 @@
         <p:spPr/>
         <p:txBody>
           <a:bodyPr/>
-          <a:lstStyle/>
+          <a:lstStyle>
+            <a:lvl1pPr>
+              <a:defRPr>
+                <a:solidFill>
+                  <a:srgbClr val="FFFFFF">
+                    <a:alpha val="25000"/>
+                  </a:srgbClr>
+                </a:solidFill>
+              </a:defRPr>
+            </a:lvl1pPr>
+          </a:lstStyle>
           <a:p>
             <a:fld id="{E375BBA4-837F-4EEE-98E9-242902373101}" type="slidenum">
               <a:rPr lang="ru-RU" smtClean="0"/>
@@ -289,7 +398,7 @@
     </p:spTree>
     <p:extLst>
       <p:ext uri="{BB962C8B-B14F-4D97-AF65-F5344CB8AC3E}">
-        <p14:creationId xmlns:p14="http://schemas.microsoft.com/office/powerpoint/2010/main" val="1179487917"/>
+        <p14:creationId xmlns:p14="http://schemas.microsoft.com/office/powerpoint/2010/main" val="621651107"/>
       </p:ext>
     </p:extLst>
   </p:cSld>
@@ -318,7 +427,7 @@
       </p:grpSpPr>
       <p:sp>
         <p:nvSpPr>
-          <p:cNvPr id="2" name="Заголовок 1"/>
+          <p:cNvPr id="2" name="Title 1"/>
           <p:cNvSpPr>
             <a:spLocks noGrp="1"/>
           </p:cNvSpPr>
@@ -335,13 +444,13 @@
               <a:rPr lang="ru-RU" smtClean="0"/>
               <a:t>Образец заголовка</a:t>
             </a:r>
-            <a:endParaRPr lang="ru-RU"/>
-          </a:p>
-        </p:txBody>
-      </p:sp>
-      <p:sp>
-        <p:nvSpPr>
-          <p:cNvPr id="3" name="Вертикальный текст 2"/>
+            <a:endParaRPr lang="en-US" dirty="0"/>
+          </a:p>
+        </p:txBody>
+      </p:sp>
+      <p:sp>
+        <p:nvSpPr>
+          <p:cNvPr id="3" name="Vertical Text Placeholder 2"/>
           <p:cNvSpPr>
             <a:spLocks noGrp="1"/>
           </p:cNvSpPr>
@@ -387,13 +496,13 @@
               <a:rPr lang="ru-RU" smtClean="0"/>
               <a:t>Пятый уровень</a:t>
             </a:r>
-            <a:endParaRPr lang="ru-RU"/>
-          </a:p>
-        </p:txBody>
-      </p:sp>
-      <p:sp>
-        <p:nvSpPr>
-          <p:cNvPr id="4" name="Дата 3"/>
+            <a:endParaRPr lang="en-US" dirty="0"/>
+          </a:p>
+        </p:txBody>
+      </p:sp>
+      <p:sp>
+        <p:nvSpPr>
+          <p:cNvPr id="4" name="Date Placeholder 3"/>
           <p:cNvSpPr>
             <a:spLocks noGrp="1"/>
           </p:cNvSpPr>
@@ -408,7 +517,7 @@
           <a:p>
             <a:fld id="{853C61C4-4604-43D7-95F9-88C3200C335D}" type="datetimeFigureOut">
               <a:rPr lang="ru-RU" smtClean="0"/>
-              <a:t>08.11.2021</a:t>
+              <a:t>17.11.2021</a:t>
             </a:fld>
             <a:endParaRPr lang="ru-RU"/>
           </a:p>
@@ -416,7 +525,7 @@
       </p:sp>
       <p:sp>
         <p:nvSpPr>
-          <p:cNvPr id="5" name="Нижний колонтитул 4"/>
+          <p:cNvPr id="5" name="Footer Placeholder 4"/>
           <p:cNvSpPr>
             <a:spLocks noGrp="1"/>
           </p:cNvSpPr>
@@ -435,7 +544,7 @@
       </p:sp>
       <p:sp>
         <p:nvSpPr>
-          <p:cNvPr id="6" name="Номер слайда 5"/>
+          <p:cNvPr id="6" name="Slide Number Placeholder 5"/>
           <p:cNvSpPr>
             <a:spLocks noGrp="1"/>
           </p:cNvSpPr>
@@ -459,7 +568,7 @@
     </p:spTree>
     <p:extLst>
       <p:ext uri="{BB962C8B-B14F-4D97-AF65-F5344CB8AC3E}">
-        <p14:creationId xmlns:p14="http://schemas.microsoft.com/office/powerpoint/2010/main" val="3188181538"/>
+        <p14:creationId xmlns:p14="http://schemas.microsoft.com/office/powerpoint/2010/main" val="3017735332"/>
       </p:ext>
     </p:extLst>
   </p:cSld>
@@ -488,7 +597,7 @@
       </p:grpSpPr>
       <p:sp>
         <p:nvSpPr>
-          <p:cNvPr id="2" name="Вертикальный заголовок 1"/>
+          <p:cNvPr id="2" name="Vertical Title 1"/>
           <p:cNvSpPr>
             <a:spLocks noGrp="1"/>
           </p:cNvSpPr>
@@ -498,8 +607,8 @@
         </p:nvSpPr>
         <p:spPr>
           <a:xfrm>
-            <a:off x="8724900" y="365125"/>
-            <a:ext cx="2628900" cy="5811838"/>
+            <a:off x="8743950" y="695325"/>
+            <a:ext cx="2628900" cy="4800600"/>
           </a:xfrm>
         </p:spPr>
         <p:txBody>
@@ -510,13 +619,13 @@
               <a:rPr lang="ru-RU" smtClean="0"/>
               <a:t>Образец заголовка</a:t>
             </a:r>
-            <a:endParaRPr lang="ru-RU"/>
-          </a:p>
-        </p:txBody>
-      </p:sp>
-      <p:sp>
-        <p:nvSpPr>
-          <p:cNvPr id="3" name="Вертикальный текст 2"/>
+            <a:endParaRPr lang="en-US" dirty="0"/>
+          </a:p>
+        </p:txBody>
+      </p:sp>
+      <p:sp>
+        <p:nvSpPr>
+          <p:cNvPr id="3" name="Vertical Text Placeholder 2"/>
           <p:cNvSpPr>
             <a:spLocks noGrp="1"/>
           </p:cNvSpPr>
@@ -526,8 +635,8 @@
         </p:nvSpPr>
         <p:spPr>
           <a:xfrm>
-            <a:off x="838200" y="365125"/>
-            <a:ext cx="7734300" cy="5811838"/>
+            <a:off x="771525" y="714375"/>
+            <a:ext cx="7734300" cy="5400675"/>
           </a:xfrm>
         </p:spPr>
         <p:txBody>
@@ -567,13 +676,13 @@
               <a:rPr lang="ru-RU" smtClean="0"/>
               <a:t>Пятый уровень</a:t>
             </a:r>
-            <a:endParaRPr lang="ru-RU"/>
-          </a:p>
-        </p:txBody>
-      </p:sp>
-      <p:sp>
-        <p:nvSpPr>
-          <p:cNvPr id="4" name="Дата 3"/>
+            <a:endParaRPr lang="en-US" dirty="0"/>
+          </a:p>
+        </p:txBody>
+      </p:sp>
+      <p:sp>
+        <p:nvSpPr>
+          <p:cNvPr id="4" name="Date Placeholder 3"/>
           <p:cNvSpPr>
             <a:spLocks noGrp="1"/>
           </p:cNvSpPr>
@@ -588,7 +697,7 @@
           <a:p>
             <a:fld id="{853C61C4-4604-43D7-95F9-88C3200C335D}" type="datetimeFigureOut">
               <a:rPr lang="ru-RU" smtClean="0"/>
-              <a:t>08.11.2021</a:t>
+              <a:t>17.11.2021</a:t>
             </a:fld>
             <a:endParaRPr lang="ru-RU"/>
           </a:p>
@@ -596,7 +705,7 @@
       </p:sp>
       <p:sp>
         <p:nvSpPr>
-          <p:cNvPr id="5" name="Нижний колонтитул 4"/>
+          <p:cNvPr id="5" name="Footer Placeholder 4"/>
           <p:cNvSpPr>
             <a:spLocks noGrp="1"/>
           </p:cNvSpPr>
@@ -615,7 +724,7 @@
       </p:sp>
       <p:sp>
         <p:nvSpPr>
-          <p:cNvPr id="6" name="Номер слайда 5"/>
+          <p:cNvPr id="6" name="Slide Number Placeholder 5"/>
           <p:cNvSpPr>
             <a:spLocks noGrp="1"/>
           </p:cNvSpPr>
@@ -639,7 +748,7 @@
     </p:spTree>
     <p:extLst>
       <p:ext uri="{BB962C8B-B14F-4D97-AF65-F5344CB8AC3E}">
-        <p14:creationId xmlns:p14="http://schemas.microsoft.com/office/powerpoint/2010/main" val="2224004852"/>
+        <p14:creationId xmlns:p14="http://schemas.microsoft.com/office/powerpoint/2010/main" val="1206886691"/>
       </p:ext>
     </p:extLst>
   </p:cSld>
@@ -668,7 +777,7 @@
       </p:grpSpPr>
       <p:sp>
         <p:nvSpPr>
-          <p:cNvPr id="2" name="Заголовок 1"/>
+          <p:cNvPr id="2" name="Title 1"/>
           <p:cNvSpPr>
             <a:spLocks noGrp="1"/>
           </p:cNvSpPr>
@@ -685,13 +794,13 @@
               <a:rPr lang="ru-RU" smtClean="0"/>
               <a:t>Образец заголовка</a:t>
             </a:r>
-            <a:endParaRPr lang="ru-RU"/>
-          </a:p>
-        </p:txBody>
-      </p:sp>
-      <p:sp>
-        <p:nvSpPr>
-          <p:cNvPr id="3" name="Объект 2"/>
+            <a:endParaRPr lang="en-US" dirty="0"/>
+          </a:p>
+        </p:txBody>
+      </p:sp>
+      <p:sp>
+        <p:nvSpPr>
+          <p:cNvPr id="3" name="Content Placeholder 2"/>
           <p:cNvSpPr>
             <a:spLocks noGrp="1"/>
           </p:cNvSpPr>
@@ -737,13 +846,13 @@
               <a:rPr lang="ru-RU" smtClean="0"/>
               <a:t>Пятый уровень</a:t>
             </a:r>
-            <a:endParaRPr lang="ru-RU"/>
-          </a:p>
-        </p:txBody>
-      </p:sp>
-      <p:sp>
-        <p:nvSpPr>
-          <p:cNvPr id="4" name="Дата 3"/>
+            <a:endParaRPr lang="en-US" dirty="0"/>
+          </a:p>
+        </p:txBody>
+      </p:sp>
+      <p:sp>
+        <p:nvSpPr>
+          <p:cNvPr id="4" name="Date Placeholder 3"/>
           <p:cNvSpPr>
             <a:spLocks noGrp="1"/>
           </p:cNvSpPr>
@@ -758,7 +867,7 @@
           <a:p>
             <a:fld id="{853C61C4-4604-43D7-95F9-88C3200C335D}" type="datetimeFigureOut">
               <a:rPr lang="ru-RU" smtClean="0"/>
-              <a:t>08.11.2021</a:t>
+              <a:t>17.11.2021</a:t>
             </a:fld>
             <a:endParaRPr lang="ru-RU"/>
           </a:p>
@@ -766,7 +875,7 @@
       </p:sp>
       <p:sp>
         <p:nvSpPr>
-          <p:cNvPr id="5" name="Нижний колонтитул 4"/>
+          <p:cNvPr id="5" name="Footer Placeholder 4"/>
           <p:cNvSpPr>
             <a:spLocks noGrp="1"/>
           </p:cNvSpPr>
@@ -785,7 +894,7 @@
       </p:sp>
       <p:sp>
         <p:nvSpPr>
-          <p:cNvPr id="6" name="Номер слайда 5"/>
+          <p:cNvPr id="6" name="Slide Number Placeholder 5"/>
           <p:cNvSpPr>
             <a:spLocks noGrp="1"/>
           </p:cNvSpPr>
@@ -809,7 +918,7 @@
     </p:spTree>
     <p:extLst>
       <p:ext uri="{BB962C8B-B14F-4D97-AF65-F5344CB8AC3E}">
-        <p14:creationId xmlns:p14="http://schemas.microsoft.com/office/powerpoint/2010/main" val="3706011331"/>
+        <p14:creationId xmlns:p14="http://schemas.microsoft.com/office/powerpoint/2010/main" val="3438814496"/>
       </p:ext>
     </p:extLst>
   </p:cSld>
@@ -838,7 +947,7 @@
       </p:grpSpPr>
       <p:sp>
         <p:nvSpPr>
-          <p:cNvPr id="2" name="Заголовок 1"/>
+          <p:cNvPr id="2" name="Title 1"/>
           <p:cNvSpPr>
             <a:spLocks noGrp="1"/>
           </p:cNvSpPr>
@@ -848,58 +957,68 @@
         </p:nvSpPr>
         <p:spPr>
           <a:xfrm>
-            <a:off x="831850" y="1709738"/>
-            <a:ext cx="10515600" cy="2852737"/>
+            <a:off x="603504" y="767419"/>
+            <a:ext cx="10780776" cy="3355848"/>
           </a:xfrm>
         </p:spPr>
         <p:txBody>
-          <a:bodyPr anchor="b"/>
+          <a:bodyPr anchor="b">
+            <a:normAutofit/>
+          </a:bodyPr>
           <a:lstStyle>
             <a:lvl1pPr>
-              <a:defRPr sz="6000"/>
-            </a:lvl1pPr>
-          </a:lstStyle>
-          <a:p>
-            <a:r>
-              <a:rPr lang="ru-RU" smtClean="0"/>
-              <a:t>Образец заголовка</a:t>
-            </a:r>
-            <a:endParaRPr lang="ru-RU"/>
-          </a:p>
-        </p:txBody>
-      </p:sp>
-      <p:sp>
-        <p:nvSpPr>
-          <p:cNvPr id="3" name="Текст 2"/>
-          <p:cNvSpPr>
-            <a:spLocks noGrp="1"/>
-          </p:cNvSpPr>
-          <p:nvPr>
-            <p:ph type="body" idx="1"/>
-          </p:nvPr>
-        </p:nvSpPr>
-        <p:spPr>
-          <a:xfrm>
-            <a:off x="831850" y="4589463"/>
-            <a:ext cx="10515600" cy="1500187"/>
-          </a:xfrm>
-        </p:spPr>
-        <p:txBody>
-          <a:bodyPr/>
-          <a:lstStyle>
-            <a:lvl1pPr marL="0" indent="0">
-              <a:buNone/>
-              <a:defRPr sz="2400">
+              <a:lnSpc>
+                <a:spcPct val="80000"/>
+              </a:lnSpc>
+              <a:defRPr sz="8800" b="0" baseline="0">
                 <a:solidFill>
-                  <a:schemeClr val="tx1">
-                    <a:tint val="75000"/>
-                  </a:schemeClr>
+                  <a:schemeClr val="accent1"/>
                 </a:solidFill>
               </a:defRPr>
             </a:lvl1pPr>
+          </a:lstStyle>
+          <a:p>
+            <a:r>
+              <a:rPr lang="ru-RU" smtClean="0"/>
+              <a:t>Образец заголовка</a:t>
+            </a:r>
+            <a:endParaRPr lang="en-US" dirty="0"/>
+          </a:p>
+        </p:txBody>
+      </p:sp>
+      <p:sp>
+        <p:nvSpPr>
+          <p:cNvPr id="3" name="Text Placeholder 2"/>
+          <p:cNvSpPr>
+            <a:spLocks noGrp="1"/>
+          </p:cNvSpPr>
+          <p:nvPr>
+            <p:ph type="body" idx="1"/>
+          </p:nvPr>
+        </p:nvSpPr>
+        <p:spPr>
+          <a:xfrm>
+            <a:off x="667512" y="4204209"/>
+            <a:ext cx="9226296" cy="1645920"/>
+          </a:xfrm>
+        </p:spPr>
+        <p:txBody>
+          <a:bodyPr anchor="t">
+            <a:normAutofit/>
+          </a:bodyPr>
+          <a:lstStyle>
+            <a:lvl1pPr marL="0" indent="0">
+              <a:buNone/>
+              <a:defRPr sz="3200">
+                <a:solidFill>
+                  <a:schemeClr val="tx1"/>
+                </a:solidFill>
+                <a:latin typeface="+mj-lt"/>
+              </a:defRPr>
+            </a:lvl1pPr>
             <a:lvl2pPr marL="457200" indent="0">
               <a:buNone/>
-              <a:defRPr sz="2000">
+              <a:defRPr sz="1800">
                 <a:solidFill>
                   <a:schemeClr val="tx1">
                     <a:tint val="75000"/>
@@ -909,7 +1028,7 @@
             </a:lvl2pPr>
             <a:lvl3pPr marL="914400" indent="0">
               <a:buNone/>
-              <a:defRPr sz="1800">
+              <a:defRPr sz="1600">
                 <a:solidFill>
                   <a:schemeClr val="tx1">
                     <a:tint val="75000"/>
@@ -919,7 +1038,7 @@
             </a:lvl3pPr>
             <a:lvl4pPr marL="1371600" indent="0">
               <a:buNone/>
-              <a:defRPr sz="1600">
+              <a:defRPr sz="1400">
                 <a:solidFill>
                   <a:schemeClr val="tx1">
                     <a:tint val="75000"/>
@@ -929,7 +1048,7 @@
             </a:lvl4pPr>
             <a:lvl5pPr marL="1828800" indent="0">
               <a:buNone/>
-              <a:defRPr sz="1600">
+              <a:defRPr sz="1400">
                 <a:solidFill>
                   <a:schemeClr val="tx1">
                     <a:tint val="75000"/>
@@ -939,7 +1058,7 @@
             </a:lvl5pPr>
             <a:lvl6pPr marL="2286000" indent="0">
               <a:buNone/>
-              <a:defRPr sz="1600">
+              <a:defRPr sz="1400">
                 <a:solidFill>
                   <a:schemeClr val="tx1">
                     <a:tint val="75000"/>
@@ -949,7 +1068,7 @@
             </a:lvl6pPr>
             <a:lvl7pPr marL="2743200" indent="0">
               <a:buNone/>
-              <a:defRPr sz="1600">
+              <a:defRPr sz="1400">
                 <a:solidFill>
                   <a:schemeClr val="tx1">
                     <a:tint val="75000"/>
@@ -959,7 +1078,7 @@
             </a:lvl7pPr>
             <a:lvl8pPr marL="3200400" indent="0">
               <a:buNone/>
-              <a:defRPr sz="1600">
+              <a:defRPr sz="1400">
                 <a:solidFill>
                   <a:schemeClr val="tx1">
                     <a:tint val="75000"/>
@@ -969,7 +1088,7 @@
             </a:lvl8pPr>
             <a:lvl9pPr marL="3657600" indent="0">
               <a:buNone/>
-              <a:defRPr sz="1600">
+              <a:defRPr sz="1400">
                 <a:solidFill>
                   <a:schemeClr val="tx1">
                     <a:tint val="75000"/>
@@ -989,7 +1108,7 @@
       </p:sp>
       <p:sp>
         <p:nvSpPr>
-          <p:cNvPr id="4" name="Дата 3"/>
+          <p:cNvPr id="4" name="Date Placeholder 3"/>
           <p:cNvSpPr>
             <a:spLocks noGrp="1"/>
           </p:cNvSpPr>
@@ -1004,7 +1123,7 @@
           <a:p>
             <a:fld id="{853C61C4-4604-43D7-95F9-88C3200C335D}" type="datetimeFigureOut">
               <a:rPr lang="ru-RU" smtClean="0"/>
-              <a:t>08.11.2021</a:t>
+              <a:t>17.11.2021</a:t>
             </a:fld>
             <a:endParaRPr lang="ru-RU"/>
           </a:p>
@@ -1012,7 +1131,7 @@
       </p:sp>
       <p:sp>
         <p:nvSpPr>
-          <p:cNvPr id="5" name="Нижний колонтитул 4"/>
+          <p:cNvPr id="5" name="Footer Placeholder 4"/>
           <p:cNvSpPr>
             <a:spLocks noGrp="1"/>
           </p:cNvSpPr>
@@ -1031,7 +1150,7 @@
       </p:sp>
       <p:sp>
         <p:nvSpPr>
-          <p:cNvPr id="6" name="Номер слайда 5"/>
+          <p:cNvPr id="6" name="Slide Number Placeholder 5"/>
           <p:cNvSpPr>
             <a:spLocks noGrp="1"/>
           </p:cNvSpPr>
@@ -1055,7 +1174,7 @@
     </p:spTree>
     <p:extLst>
       <p:ext uri="{BB962C8B-B14F-4D97-AF65-F5344CB8AC3E}">
-        <p14:creationId xmlns:p14="http://schemas.microsoft.com/office/powerpoint/2010/main" val="2651400336"/>
+        <p14:creationId xmlns:p14="http://schemas.microsoft.com/office/powerpoint/2010/main" val="3057593892"/>
       </p:ext>
     </p:extLst>
   </p:cSld>
@@ -1084,7 +1203,7 @@
       </p:grpSpPr>
       <p:sp>
         <p:nvSpPr>
-          <p:cNvPr id="2" name="Заголовок 1"/>
+          <p:cNvPr id="2" name="Title 1"/>
           <p:cNvSpPr>
             <a:spLocks noGrp="1"/>
           </p:cNvSpPr>
@@ -1101,13 +1220,13 @@
               <a:rPr lang="ru-RU" smtClean="0"/>
               <a:t>Образец заголовка</a:t>
             </a:r>
-            <a:endParaRPr lang="ru-RU"/>
-          </a:p>
-        </p:txBody>
-      </p:sp>
-      <p:sp>
-        <p:nvSpPr>
-          <p:cNvPr id="3" name="Объект 2"/>
+            <a:endParaRPr lang="en-US" dirty="0"/>
+          </a:p>
+        </p:txBody>
+      </p:sp>
+      <p:sp>
+        <p:nvSpPr>
+          <p:cNvPr id="3" name="Content Placeholder 2"/>
           <p:cNvSpPr>
             <a:spLocks noGrp="1"/>
           </p:cNvSpPr>
@@ -1117,13 +1236,41 @@
         </p:nvSpPr>
         <p:spPr>
           <a:xfrm>
-            <a:off x="838200" y="1825625"/>
-            <a:ext cx="5181600" cy="4351338"/>
+            <a:off x="676656" y="1998134"/>
+            <a:ext cx="4663440" cy="3767328"/>
           </a:xfrm>
         </p:spPr>
         <p:txBody>
           <a:bodyPr/>
-          <a:lstStyle/>
+          <a:lstStyle>
+            <a:lvl1pPr>
+              <a:defRPr sz="2400"/>
+            </a:lvl1pPr>
+            <a:lvl2pPr>
+              <a:defRPr sz="2000"/>
+            </a:lvl2pPr>
+            <a:lvl3pPr>
+              <a:defRPr sz="1800"/>
+            </a:lvl3pPr>
+            <a:lvl4pPr>
+              <a:defRPr sz="1600"/>
+            </a:lvl4pPr>
+            <a:lvl5pPr>
+              <a:defRPr sz="1600"/>
+            </a:lvl5pPr>
+            <a:lvl6pPr>
+              <a:defRPr sz="1600"/>
+            </a:lvl6pPr>
+            <a:lvl7pPr>
+              <a:defRPr sz="1600"/>
+            </a:lvl7pPr>
+            <a:lvl8pPr>
+              <a:defRPr sz="1600"/>
+            </a:lvl8pPr>
+            <a:lvl9pPr>
+              <a:defRPr sz="1600"/>
+            </a:lvl9pPr>
+          </a:lstStyle>
           <a:p>
             <a:pPr lvl="0"/>
             <a:r>
@@ -1158,13 +1305,13 @@
               <a:rPr lang="ru-RU" smtClean="0"/>
               <a:t>Пятый уровень</a:t>
             </a:r>
-            <a:endParaRPr lang="ru-RU"/>
-          </a:p>
-        </p:txBody>
-      </p:sp>
-      <p:sp>
-        <p:nvSpPr>
-          <p:cNvPr id="4" name="Объект 3"/>
+            <a:endParaRPr lang="en-US" dirty="0"/>
+          </a:p>
+        </p:txBody>
+      </p:sp>
+      <p:sp>
+        <p:nvSpPr>
+          <p:cNvPr id="4" name="Content Placeholder 3"/>
           <p:cNvSpPr>
             <a:spLocks noGrp="1"/>
           </p:cNvSpPr>
@@ -1174,13 +1321,41 @@
         </p:nvSpPr>
         <p:spPr>
           <a:xfrm>
-            <a:off x="6172200" y="1825625"/>
-            <a:ext cx="5181600" cy="4351338"/>
+            <a:off x="6011330" y="1998134"/>
+            <a:ext cx="4663440" cy="3767328"/>
           </a:xfrm>
         </p:spPr>
         <p:txBody>
           <a:bodyPr/>
-          <a:lstStyle/>
+          <a:lstStyle>
+            <a:lvl1pPr>
+              <a:defRPr sz="2400"/>
+            </a:lvl1pPr>
+            <a:lvl2pPr>
+              <a:defRPr sz="2000"/>
+            </a:lvl2pPr>
+            <a:lvl3pPr>
+              <a:defRPr sz="1800"/>
+            </a:lvl3pPr>
+            <a:lvl4pPr>
+              <a:defRPr sz="1600"/>
+            </a:lvl4pPr>
+            <a:lvl5pPr>
+              <a:defRPr sz="1600"/>
+            </a:lvl5pPr>
+            <a:lvl6pPr>
+              <a:defRPr sz="1600"/>
+            </a:lvl6pPr>
+            <a:lvl7pPr>
+              <a:defRPr sz="1600"/>
+            </a:lvl7pPr>
+            <a:lvl8pPr>
+              <a:defRPr sz="1600"/>
+            </a:lvl8pPr>
+            <a:lvl9pPr>
+              <a:defRPr sz="1600"/>
+            </a:lvl9pPr>
+          </a:lstStyle>
           <a:p>
             <a:pPr lvl="0"/>
             <a:r>
@@ -1215,13 +1390,13 @@
               <a:rPr lang="ru-RU" smtClean="0"/>
               <a:t>Пятый уровень</a:t>
             </a:r>
-            <a:endParaRPr lang="ru-RU"/>
-          </a:p>
-        </p:txBody>
-      </p:sp>
-      <p:sp>
-        <p:nvSpPr>
-          <p:cNvPr id="5" name="Дата 4"/>
+            <a:endParaRPr lang="en-US" dirty="0"/>
+          </a:p>
+        </p:txBody>
+      </p:sp>
+      <p:sp>
+        <p:nvSpPr>
+          <p:cNvPr id="5" name="Date Placeholder 4"/>
           <p:cNvSpPr>
             <a:spLocks noGrp="1"/>
           </p:cNvSpPr>
@@ -1236,7 +1411,7 @@
           <a:p>
             <a:fld id="{853C61C4-4604-43D7-95F9-88C3200C335D}" type="datetimeFigureOut">
               <a:rPr lang="ru-RU" smtClean="0"/>
-              <a:t>08.11.2021</a:t>
+              <a:t>17.11.2021</a:t>
             </a:fld>
             <a:endParaRPr lang="ru-RU"/>
           </a:p>
@@ -1244,7 +1419,7 @@
       </p:sp>
       <p:sp>
         <p:nvSpPr>
-          <p:cNvPr id="6" name="Нижний колонтитул 5"/>
+          <p:cNvPr id="6" name="Footer Placeholder 5"/>
           <p:cNvSpPr>
             <a:spLocks noGrp="1"/>
           </p:cNvSpPr>
@@ -1263,7 +1438,7 @@
       </p:sp>
       <p:sp>
         <p:nvSpPr>
-          <p:cNvPr id="7" name="Номер слайда 6"/>
+          <p:cNvPr id="7" name="Slide Number Placeholder 6"/>
           <p:cNvSpPr>
             <a:spLocks noGrp="1"/>
           </p:cNvSpPr>
@@ -1287,7 +1462,7 @@
     </p:spTree>
     <p:extLst>
       <p:ext uri="{BB962C8B-B14F-4D97-AF65-F5344CB8AC3E}">
-        <p14:creationId xmlns:p14="http://schemas.microsoft.com/office/powerpoint/2010/main" val="1242484737"/>
+        <p14:creationId xmlns:p14="http://schemas.microsoft.com/office/powerpoint/2010/main" val="2326345994"/>
       </p:ext>
     </p:extLst>
   </p:cSld>
@@ -1316,54 +1491,59 @@
       </p:grpSpPr>
       <p:sp>
         <p:nvSpPr>
-          <p:cNvPr id="2" name="Заголовок 1"/>
+          <p:cNvPr id="10" name="Title 9"/>
           <p:cNvSpPr>
             <a:spLocks noGrp="1"/>
           </p:cNvSpPr>
           <p:nvPr>
             <p:ph type="title"/>
+          </p:nvPr>
+        </p:nvSpPr>
+        <p:spPr/>
+        <p:txBody>
+          <a:bodyPr/>
+          <a:lstStyle/>
+          <a:p>
+            <a:r>
+              <a:rPr lang="ru-RU" smtClean="0"/>
+              <a:t>Образец заголовка</a:t>
+            </a:r>
+            <a:endParaRPr lang="en-US" dirty="0"/>
+          </a:p>
+        </p:txBody>
+      </p:sp>
+      <p:sp>
+        <p:nvSpPr>
+          <p:cNvPr id="3" name="Text Placeholder 2"/>
+          <p:cNvSpPr>
+            <a:spLocks noGrp="1"/>
+          </p:cNvSpPr>
+          <p:nvPr>
+            <p:ph type="body" idx="1"/>
           </p:nvPr>
         </p:nvSpPr>
         <p:spPr>
           <a:xfrm>
-            <a:off x="839788" y="365125"/>
-            <a:ext cx="10515600" cy="1325563"/>
+            <a:off x="676656" y="2040467"/>
+            <a:ext cx="4663440" cy="723400"/>
           </a:xfrm>
         </p:spPr>
         <p:txBody>
-          <a:bodyPr/>
-          <a:lstStyle/>
-          <a:p>
-            <a:r>
-              <a:rPr lang="ru-RU" smtClean="0"/>
-              <a:t>Образец заголовка</a:t>
-            </a:r>
-            <a:endParaRPr lang="ru-RU"/>
-          </a:p>
-        </p:txBody>
-      </p:sp>
-      <p:sp>
-        <p:nvSpPr>
-          <p:cNvPr id="3" name="Текст 2"/>
-          <p:cNvSpPr>
-            <a:spLocks noGrp="1"/>
-          </p:cNvSpPr>
-          <p:nvPr>
-            <p:ph type="body" idx="1"/>
-          </p:nvPr>
-        </p:nvSpPr>
-        <p:spPr>
-          <a:xfrm>
-            <a:off x="839788" y="1681163"/>
-            <a:ext cx="5157787" cy="823912"/>
-          </a:xfrm>
-        </p:spPr>
-        <p:txBody>
-          <a:bodyPr anchor="b"/>
+          <a:bodyPr anchor="ctr">
+            <a:normAutofit/>
+          </a:bodyPr>
           <a:lstStyle>
             <a:lvl1pPr marL="0" indent="0">
               <a:buNone/>
-              <a:defRPr sz="2400" b="1"/>
+              <a:defRPr sz="2200" b="0" cap="all" baseline="0">
+                <a:solidFill>
+                  <a:schemeClr val="tx1">
+                    <a:lumMod val="85000"/>
+                    <a:lumOff val="15000"/>
+                  </a:schemeClr>
+                </a:solidFill>
+                <a:latin typeface="+mj-lt"/>
+              </a:defRPr>
             </a:lvl1pPr>
             <a:lvl2pPr marL="457200" indent="0">
               <a:buNone/>
@@ -1409,7 +1589,7 @@
       </p:sp>
       <p:sp>
         <p:nvSpPr>
-          <p:cNvPr id="4" name="Объект 3"/>
+          <p:cNvPr id="4" name="Content Placeholder 3"/>
           <p:cNvSpPr>
             <a:spLocks noGrp="1"/>
           </p:cNvSpPr>
@@ -1419,13 +1599,41 @@
         </p:nvSpPr>
         <p:spPr>
           <a:xfrm>
-            <a:off x="839788" y="2505075"/>
-            <a:ext cx="5157787" cy="3684588"/>
+            <a:off x="676656" y="2753084"/>
+            <a:ext cx="4663440" cy="3200400"/>
           </a:xfrm>
         </p:spPr>
         <p:txBody>
           <a:bodyPr/>
-          <a:lstStyle/>
+          <a:lstStyle>
+            <a:lvl1pPr>
+              <a:defRPr sz="2400"/>
+            </a:lvl1pPr>
+            <a:lvl2pPr>
+              <a:defRPr sz="2000"/>
+            </a:lvl2pPr>
+            <a:lvl3pPr>
+              <a:defRPr sz="1800"/>
+            </a:lvl3pPr>
+            <a:lvl4pPr>
+              <a:defRPr sz="1600"/>
+            </a:lvl4pPr>
+            <a:lvl5pPr>
+              <a:defRPr sz="1600"/>
+            </a:lvl5pPr>
+            <a:lvl6pPr>
+              <a:defRPr sz="1600"/>
+            </a:lvl6pPr>
+            <a:lvl7pPr>
+              <a:defRPr sz="1600"/>
+            </a:lvl7pPr>
+            <a:lvl8pPr>
+              <a:defRPr sz="1600"/>
+            </a:lvl8pPr>
+            <a:lvl9pPr>
+              <a:defRPr sz="1600"/>
+            </a:lvl9pPr>
+          </a:lstStyle>
           <a:p>
             <a:pPr lvl="0"/>
             <a:r>
@@ -1460,13 +1668,13 @@
               <a:rPr lang="ru-RU" smtClean="0"/>
               <a:t>Пятый уровень</a:t>
             </a:r>
-            <a:endParaRPr lang="ru-RU"/>
-          </a:p>
-        </p:txBody>
-      </p:sp>
-      <p:sp>
-        <p:nvSpPr>
-          <p:cNvPr id="5" name="Текст 4"/>
+            <a:endParaRPr lang="en-US" dirty="0"/>
+          </a:p>
+        </p:txBody>
+      </p:sp>
+      <p:sp>
+        <p:nvSpPr>
+          <p:cNvPr id="5" name="Text Placeholder 4"/>
           <p:cNvSpPr>
             <a:spLocks noGrp="1"/>
           </p:cNvSpPr>
@@ -1476,16 +1684,26 @@
         </p:nvSpPr>
         <p:spPr>
           <a:xfrm>
-            <a:off x="6172200" y="1681163"/>
-            <a:ext cx="5183188" cy="823912"/>
+            <a:off x="6007608" y="2038435"/>
+            <a:ext cx="4663440" cy="722376"/>
           </a:xfrm>
         </p:spPr>
         <p:txBody>
-          <a:bodyPr anchor="b"/>
+          <a:bodyPr anchor="ctr">
+            <a:normAutofit/>
+          </a:bodyPr>
           <a:lstStyle>
             <a:lvl1pPr marL="0" indent="0">
               <a:buNone/>
-              <a:defRPr sz="2400" b="1"/>
+              <a:defRPr sz="2200" b="0" cap="all" baseline="0">
+                <a:solidFill>
+                  <a:schemeClr val="tx1">
+                    <a:lumMod val="85000"/>
+                    <a:lumOff val="15000"/>
+                  </a:schemeClr>
+                </a:solidFill>
+                <a:latin typeface="+mj-lt"/>
+              </a:defRPr>
             </a:lvl1pPr>
             <a:lvl2pPr marL="457200" indent="0">
               <a:buNone/>
@@ -1531,7 +1749,7 @@
       </p:sp>
       <p:sp>
         <p:nvSpPr>
-          <p:cNvPr id="6" name="Объект 5"/>
+          <p:cNvPr id="6" name="Content Placeholder 5"/>
           <p:cNvSpPr>
             <a:spLocks noGrp="1"/>
           </p:cNvSpPr>
@@ -1541,13 +1759,41 @@
         </p:nvSpPr>
         <p:spPr>
           <a:xfrm>
-            <a:off x="6172200" y="2505075"/>
-            <a:ext cx="5183188" cy="3684588"/>
+            <a:off x="6007608" y="2750990"/>
+            <a:ext cx="4663440" cy="3200400"/>
           </a:xfrm>
         </p:spPr>
         <p:txBody>
           <a:bodyPr/>
-          <a:lstStyle/>
+          <a:lstStyle>
+            <a:lvl1pPr>
+              <a:defRPr sz="2400"/>
+            </a:lvl1pPr>
+            <a:lvl2pPr>
+              <a:defRPr sz="2000"/>
+            </a:lvl2pPr>
+            <a:lvl3pPr>
+              <a:defRPr sz="1800"/>
+            </a:lvl3pPr>
+            <a:lvl4pPr>
+              <a:defRPr sz="1600"/>
+            </a:lvl4pPr>
+            <a:lvl5pPr>
+              <a:defRPr sz="1600"/>
+            </a:lvl5pPr>
+            <a:lvl6pPr>
+              <a:defRPr sz="1600"/>
+            </a:lvl6pPr>
+            <a:lvl7pPr>
+              <a:defRPr sz="1600"/>
+            </a:lvl7pPr>
+            <a:lvl8pPr>
+              <a:defRPr sz="1600"/>
+            </a:lvl8pPr>
+            <a:lvl9pPr>
+              <a:defRPr sz="1600"/>
+            </a:lvl9pPr>
+          </a:lstStyle>
           <a:p>
             <a:pPr lvl="0"/>
             <a:r>
@@ -1582,13 +1828,13 @@
               <a:rPr lang="ru-RU" smtClean="0"/>
               <a:t>Пятый уровень</a:t>
             </a:r>
-            <a:endParaRPr lang="ru-RU"/>
-          </a:p>
-        </p:txBody>
-      </p:sp>
-      <p:sp>
-        <p:nvSpPr>
-          <p:cNvPr id="7" name="Дата 6"/>
+            <a:endParaRPr lang="en-US" dirty="0"/>
+          </a:p>
+        </p:txBody>
+      </p:sp>
+      <p:sp>
+        <p:nvSpPr>
+          <p:cNvPr id="7" name="Date Placeholder 6"/>
           <p:cNvSpPr>
             <a:spLocks noGrp="1"/>
           </p:cNvSpPr>
@@ -1603,7 +1849,7 @@
           <a:p>
             <a:fld id="{853C61C4-4604-43D7-95F9-88C3200C335D}" type="datetimeFigureOut">
               <a:rPr lang="ru-RU" smtClean="0"/>
-              <a:t>08.11.2021</a:t>
+              <a:t>17.11.2021</a:t>
             </a:fld>
             <a:endParaRPr lang="ru-RU"/>
           </a:p>
@@ -1611,7 +1857,7 @@
       </p:sp>
       <p:sp>
         <p:nvSpPr>
-          <p:cNvPr id="8" name="Нижний колонтитул 7"/>
+          <p:cNvPr id="8" name="Footer Placeholder 7"/>
           <p:cNvSpPr>
             <a:spLocks noGrp="1"/>
           </p:cNvSpPr>
@@ -1630,7 +1876,7 @@
       </p:sp>
       <p:sp>
         <p:nvSpPr>
-          <p:cNvPr id="9" name="Номер слайда 8"/>
+          <p:cNvPr id="9" name="Slide Number Placeholder 8"/>
           <p:cNvSpPr>
             <a:spLocks noGrp="1"/>
           </p:cNvSpPr>
@@ -1654,7 +1900,7 @@
     </p:spTree>
     <p:extLst>
       <p:ext uri="{BB962C8B-B14F-4D97-AF65-F5344CB8AC3E}">
-        <p14:creationId xmlns:p14="http://schemas.microsoft.com/office/powerpoint/2010/main" val="1410009217"/>
+        <p14:creationId xmlns:p14="http://schemas.microsoft.com/office/powerpoint/2010/main" val="3537560258"/>
       </p:ext>
     </p:extLst>
   </p:cSld>
@@ -1683,7 +1929,7 @@
       </p:grpSpPr>
       <p:sp>
         <p:nvSpPr>
-          <p:cNvPr id="2" name="Заголовок 1"/>
+          <p:cNvPr id="6" name="Title 5"/>
           <p:cNvSpPr>
             <a:spLocks noGrp="1"/>
           </p:cNvSpPr>
@@ -1700,13 +1946,13 @@
               <a:rPr lang="ru-RU" smtClean="0"/>
               <a:t>Образец заголовка</a:t>
             </a:r>
-            <a:endParaRPr lang="ru-RU"/>
-          </a:p>
-        </p:txBody>
-      </p:sp>
-      <p:sp>
-        <p:nvSpPr>
-          <p:cNvPr id="3" name="Дата 2"/>
+            <a:endParaRPr lang="en-US" dirty="0"/>
+          </a:p>
+        </p:txBody>
+      </p:sp>
+      <p:sp>
+        <p:nvSpPr>
+          <p:cNvPr id="3" name="Date Placeholder 2"/>
           <p:cNvSpPr>
             <a:spLocks noGrp="1"/>
           </p:cNvSpPr>
@@ -1721,7 +1967,7 @@
           <a:p>
             <a:fld id="{853C61C4-4604-43D7-95F9-88C3200C335D}" type="datetimeFigureOut">
               <a:rPr lang="ru-RU" smtClean="0"/>
-              <a:t>08.11.2021</a:t>
+              <a:t>17.11.2021</a:t>
             </a:fld>
             <a:endParaRPr lang="ru-RU"/>
           </a:p>
@@ -1729,7 +1975,7 @@
       </p:sp>
       <p:sp>
         <p:nvSpPr>
-          <p:cNvPr id="4" name="Нижний колонтитул 3"/>
+          <p:cNvPr id="4" name="Footer Placeholder 3"/>
           <p:cNvSpPr>
             <a:spLocks noGrp="1"/>
           </p:cNvSpPr>
@@ -1748,7 +1994,7 @@
       </p:sp>
       <p:sp>
         <p:nvSpPr>
-          <p:cNvPr id="5" name="Номер слайда 4"/>
+          <p:cNvPr id="5" name="Slide Number Placeholder 4"/>
           <p:cNvSpPr>
             <a:spLocks noGrp="1"/>
           </p:cNvSpPr>
@@ -1772,7 +2018,7 @@
     </p:spTree>
     <p:extLst>
       <p:ext uri="{BB962C8B-B14F-4D97-AF65-F5344CB8AC3E}">
-        <p14:creationId xmlns:p14="http://schemas.microsoft.com/office/powerpoint/2010/main" val="4006027814"/>
+        <p14:creationId xmlns:p14="http://schemas.microsoft.com/office/powerpoint/2010/main" val="3850318125"/>
       </p:ext>
     </p:extLst>
   </p:cSld>
@@ -1801,7 +2047,7 @@
       </p:grpSpPr>
       <p:sp>
         <p:nvSpPr>
-          <p:cNvPr id="2" name="Дата 1"/>
+          <p:cNvPr id="2" name="Date Placeholder 1"/>
           <p:cNvSpPr>
             <a:spLocks noGrp="1"/>
           </p:cNvSpPr>
@@ -1816,7 +2062,7 @@
           <a:p>
             <a:fld id="{853C61C4-4604-43D7-95F9-88C3200C335D}" type="datetimeFigureOut">
               <a:rPr lang="ru-RU" smtClean="0"/>
-              <a:t>08.11.2021</a:t>
+              <a:t>17.11.2021</a:t>
             </a:fld>
             <a:endParaRPr lang="ru-RU"/>
           </a:p>
@@ -1824,7 +2070,7 @@
       </p:sp>
       <p:sp>
         <p:nvSpPr>
-          <p:cNvPr id="3" name="Нижний колонтитул 2"/>
+          <p:cNvPr id="3" name="Footer Placeholder 2"/>
           <p:cNvSpPr>
             <a:spLocks noGrp="1"/>
           </p:cNvSpPr>
@@ -1843,7 +2089,7 @@
       </p:sp>
       <p:sp>
         <p:nvSpPr>
-          <p:cNvPr id="4" name="Номер слайда 3"/>
+          <p:cNvPr id="4" name="Slide Number Placeholder 3"/>
           <p:cNvSpPr>
             <a:spLocks noGrp="1"/>
           </p:cNvSpPr>
@@ -1867,7 +2113,7 @@
     </p:spTree>
     <p:extLst>
       <p:ext uri="{BB962C8B-B14F-4D97-AF65-F5344CB8AC3E}">
-        <p14:creationId xmlns:p14="http://schemas.microsoft.com/office/powerpoint/2010/main" val="2470438353"/>
+        <p14:creationId xmlns:p14="http://schemas.microsoft.com/office/powerpoint/2010/main" val="3886799296"/>
       </p:ext>
     </p:extLst>
   </p:cSld>
@@ -1896,25 +2142,69 @@
       </p:grpSpPr>
       <p:sp>
         <p:nvSpPr>
-          <p:cNvPr id="2" name="Заголовок 1"/>
-          <p:cNvSpPr>
-            <a:spLocks noGrp="1"/>
-          </p:cNvSpPr>
-          <p:nvPr>
-            <p:ph type="title"/>
-          </p:nvPr>
+          <p:cNvPr id="2" name="Rectangle 1"/>
+          <p:cNvSpPr/>
+          <p:nvPr/>
         </p:nvSpPr>
         <p:spPr>
           <a:xfrm>
-            <a:off x="839788" y="457200"/>
-            <a:ext cx="3932237" cy="1600200"/>
+            <a:off x="7620000" y="0"/>
+            <a:ext cx="4572000" cy="6858000"/>
+          </a:xfrm>
+          <a:prstGeom prst="rect">
+            <a:avLst/>
+          </a:prstGeom>
+          <a:ln>
+            <a:noFill/>
+          </a:ln>
+        </p:spPr>
+        <p:style>
+          <a:lnRef idx="2">
+            <a:schemeClr val="accent1">
+              <a:shade val="50000"/>
+            </a:schemeClr>
+          </a:lnRef>
+          <a:fillRef idx="1">
+            <a:schemeClr val="accent1"/>
+          </a:fillRef>
+          <a:effectRef idx="0">
+            <a:schemeClr val="accent1"/>
+          </a:effectRef>
+          <a:fontRef idx="minor">
+            <a:schemeClr val="lt1"/>
+          </a:fontRef>
+        </p:style>
+      </p:sp>
+      <p:sp>
+        <p:nvSpPr>
+          <p:cNvPr id="9" name="Title 8"/>
+          <p:cNvSpPr>
+            <a:spLocks noGrp="1"/>
+          </p:cNvSpPr>
+          <p:nvPr>
+            <p:ph type="title"/>
+          </p:nvPr>
+        </p:nvSpPr>
+        <p:spPr>
+          <a:xfrm>
+            <a:off x="8261404" y="542282"/>
+            <a:ext cx="3383280" cy="1920240"/>
           </a:xfrm>
         </p:spPr>
         <p:txBody>
-          <a:bodyPr anchor="b"/>
+          <a:bodyPr anchor="b">
+            <a:noAutofit/>
+          </a:bodyPr>
           <a:lstStyle>
             <a:lvl1pPr>
-              <a:defRPr sz="3200"/>
+              <a:lnSpc>
+                <a:spcPct val="85000"/>
+              </a:lnSpc>
+              <a:defRPr sz="4000">
+                <a:solidFill>
+                  <a:srgbClr val="FFFFFF"/>
+                </a:solidFill>
+              </a:defRPr>
             </a:lvl1pPr>
           </a:lstStyle>
           <a:p>
@@ -1922,13 +2212,13 @@
               <a:rPr lang="ru-RU" smtClean="0"/>
               <a:t>Образец заголовка</a:t>
             </a:r>
-            <a:endParaRPr lang="ru-RU"/>
-          </a:p>
-        </p:txBody>
-      </p:sp>
-      <p:sp>
-        <p:nvSpPr>
-          <p:cNvPr id="3" name="Объект 2"/>
+            <a:endParaRPr lang="en-US" dirty="0"/>
+          </a:p>
+        </p:txBody>
+      </p:sp>
+      <p:sp>
+        <p:nvSpPr>
+          <p:cNvPr id="3" name="Content Placeholder 2"/>
           <p:cNvSpPr>
             <a:spLocks noGrp="1"/>
           </p:cNvSpPr>
@@ -1938,8 +2228,8 @@
         </p:nvSpPr>
         <p:spPr>
           <a:xfrm>
-            <a:off x="5183188" y="987425"/>
-            <a:ext cx="6172200" cy="4873625"/>
+            <a:off x="762000" y="762000"/>
+            <a:ext cx="6096000" cy="4572000"/>
           </a:xfrm>
         </p:spPr>
         <p:txBody>
@@ -2007,13 +2297,13 @@
               <a:rPr lang="ru-RU" smtClean="0"/>
               <a:t>Пятый уровень</a:t>
             </a:r>
-            <a:endParaRPr lang="ru-RU"/>
-          </a:p>
-        </p:txBody>
-      </p:sp>
-      <p:sp>
-        <p:nvSpPr>
-          <p:cNvPr id="4" name="Текст 3"/>
+            <a:endParaRPr lang="en-US" dirty="0"/>
+          </a:p>
+        </p:txBody>
+      </p:sp>
+      <p:sp>
+        <p:nvSpPr>
+          <p:cNvPr id="4" name="Text Placeholder 3"/>
           <p:cNvSpPr>
             <a:spLocks noGrp="1"/>
           </p:cNvSpPr>
@@ -2023,115 +2313,160 @@
         </p:nvSpPr>
         <p:spPr>
           <a:xfrm>
-            <a:off x="839788" y="2057400"/>
-            <a:ext cx="3932237" cy="3811588"/>
+            <a:off x="8275982" y="2511813"/>
+            <a:ext cx="3398520" cy="3126987"/>
           </a:xfrm>
         </p:spPr>
         <p:txBody>
+          <a:bodyPr>
+            <a:normAutofit/>
+          </a:bodyPr>
+          <a:lstStyle>
+            <a:lvl1pPr marL="0" marR="0" indent="0" algn="l" defTabSz="914400" rtl="0" eaLnBrk="1" fontAlgn="auto" latinLnBrk="0" hangingPunct="1">
+              <a:lnSpc>
+                <a:spcPct val="100000"/>
+              </a:lnSpc>
+              <a:spcBef>
+                <a:spcPts val="1200"/>
+              </a:spcBef>
+              <a:spcAft>
+                <a:spcPts val="0"/>
+              </a:spcAft>
+              <a:buClrTx/>
+              <a:buSzTx/>
+              <a:buFontTx/>
+              <a:buNone/>
+              <a:tabLst/>
+              <a:defRPr sz="1800">
+                <a:solidFill>
+                  <a:srgbClr val="262626"/>
+                </a:solidFill>
+              </a:defRPr>
+            </a:lvl1pPr>
+            <a:lvl2pPr marL="457200" indent="0">
+              <a:buNone/>
+              <a:defRPr sz="1200"/>
+            </a:lvl2pPr>
+            <a:lvl3pPr marL="914400" indent="0">
+              <a:buNone/>
+              <a:defRPr sz="1000"/>
+            </a:lvl3pPr>
+            <a:lvl4pPr marL="1371600" indent="0">
+              <a:buNone/>
+              <a:defRPr sz="900"/>
+            </a:lvl4pPr>
+            <a:lvl5pPr marL="1828800" indent="0">
+              <a:buNone/>
+              <a:defRPr sz="900"/>
+            </a:lvl5pPr>
+            <a:lvl6pPr marL="2286000" indent="0">
+              <a:buNone/>
+              <a:defRPr sz="900"/>
+            </a:lvl6pPr>
+            <a:lvl7pPr marL="2743200" indent="0">
+              <a:buNone/>
+              <a:defRPr sz="900"/>
+            </a:lvl7pPr>
+            <a:lvl8pPr marL="3200400" indent="0">
+              <a:buNone/>
+              <a:defRPr sz="900"/>
+            </a:lvl8pPr>
+            <a:lvl9pPr marL="3657600" indent="0">
+              <a:buNone/>
+              <a:defRPr sz="900"/>
+            </a:lvl9pPr>
+          </a:lstStyle>
+          <a:p>
+            <a:pPr marL="0" marR="0" lvl="0" indent="0" algn="l" defTabSz="914400" rtl="0" eaLnBrk="1" fontAlgn="auto" latinLnBrk="0" hangingPunct="1">
+              <a:lnSpc>
+                <a:spcPct val="100000"/>
+              </a:lnSpc>
+              <a:spcBef>
+                <a:spcPts val="1400"/>
+              </a:spcBef>
+              <a:spcAft>
+                <a:spcPts val="0"/>
+              </a:spcAft>
+              <a:buClrTx/>
+              <a:buSzTx/>
+              <a:buFontTx/>
+              <a:buNone/>
+              <a:tabLst/>
+              <a:defRPr/>
+            </a:pPr>
+            <a:r>
+              <a:rPr lang="ru-RU" smtClean="0"/>
+              <a:t>Образец текста</a:t>
+            </a:r>
+          </a:p>
+        </p:txBody>
+      </p:sp>
+      <p:sp>
+        <p:nvSpPr>
+          <p:cNvPr id="5" name="Date Placeholder 4"/>
+          <p:cNvSpPr>
+            <a:spLocks noGrp="1"/>
+          </p:cNvSpPr>
+          <p:nvPr>
+            <p:ph type="dt" sz="half" idx="10"/>
+          </p:nvPr>
+        </p:nvSpPr>
+        <p:spPr/>
+        <p:txBody>
+          <a:bodyPr/>
+          <a:lstStyle/>
+          <a:p>
+            <a:fld id="{853C61C4-4604-43D7-95F9-88C3200C335D}" type="datetimeFigureOut">
+              <a:rPr lang="ru-RU" smtClean="0"/>
+              <a:t>17.11.2021</a:t>
+            </a:fld>
+            <a:endParaRPr lang="ru-RU"/>
+          </a:p>
+        </p:txBody>
+      </p:sp>
+      <p:sp>
+        <p:nvSpPr>
+          <p:cNvPr id="6" name="Footer Placeholder 5"/>
+          <p:cNvSpPr>
+            <a:spLocks noGrp="1"/>
+          </p:cNvSpPr>
+          <p:nvPr>
+            <p:ph type="ftr" sz="quarter" idx="11"/>
+          </p:nvPr>
+        </p:nvSpPr>
+        <p:spPr/>
+        <p:txBody>
+          <a:bodyPr/>
+          <a:lstStyle/>
+          <a:p>
+            <a:endParaRPr lang="ru-RU"/>
+          </a:p>
+        </p:txBody>
+      </p:sp>
+      <p:sp>
+        <p:nvSpPr>
+          <p:cNvPr id="7" name="Slide Number Placeholder 6"/>
+          <p:cNvSpPr>
+            <a:spLocks noGrp="1"/>
+          </p:cNvSpPr>
+          <p:nvPr>
+            <p:ph type="sldNum" sz="quarter" idx="12"/>
+          </p:nvPr>
+        </p:nvSpPr>
+        <p:spPr/>
+        <p:txBody>
           <a:bodyPr/>
           <a:lstStyle>
-            <a:lvl1pPr marL="0" indent="0">
-              <a:buNone/>
-              <a:defRPr sz="1600"/>
+            <a:lvl1pPr>
+              <a:defRPr>
+                <a:solidFill>
+                  <a:srgbClr val="FFFFFF">
+                    <a:alpha val="20000"/>
+                  </a:srgbClr>
+                </a:solidFill>
+              </a:defRPr>
             </a:lvl1pPr>
-            <a:lvl2pPr marL="457200" indent="0">
-              <a:buNone/>
-              <a:defRPr sz="1400"/>
-            </a:lvl2pPr>
-            <a:lvl3pPr marL="914400" indent="0">
-              <a:buNone/>
-              <a:defRPr sz="1200"/>
-            </a:lvl3pPr>
-            <a:lvl4pPr marL="1371600" indent="0">
-              <a:buNone/>
-              <a:defRPr sz="1000"/>
-            </a:lvl4pPr>
-            <a:lvl5pPr marL="1828800" indent="0">
-              <a:buNone/>
-              <a:defRPr sz="1000"/>
-            </a:lvl5pPr>
-            <a:lvl6pPr marL="2286000" indent="0">
-              <a:buNone/>
-              <a:defRPr sz="1000"/>
-            </a:lvl6pPr>
-            <a:lvl7pPr marL="2743200" indent="0">
-              <a:buNone/>
-              <a:defRPr sz="1000"/>
-            </a:lvl7pPr>
-            <a:lvl8pPr marL="3200400" indent="0">
-              <a:buNone/>
-              <a:defRPr sz="1000"/>
-            </a:lvl8pPr>
-            <a:lvl9pPr marL="3657600" indent="0">
-              <a:buNone/>
-              <a:defRPr sz="1000"/>
-            </a:lvl9pPr>
           </a:lstStyle>
-          <a:p>
-            <a:pPr lvl="0"/>
-            <a:r>
-              <a:rPr lang="ru-RU" smtClean="0"/>
-              <a:t>Образец текста</a:t>
-            </a:r>
-          </a:p>
-        </p:txBody>
-      </p:sp>
-      <p:sp>
-        <p:nvSpPr>
-          <p:cNvPr id="5" name="Дата 4"/>
-          <p:cNvSpPr>
-            <a:spLocks noGrp="1"/>
-          </p:cNvSpPr>
-          <p:nvPr>
-            <p:ph type="dt" sz="half" idx="10"/>
-          </p:nvPr>
-        </p:nvSpPr>
-        <p:spPr/>
-        <p:txBody>
-          <a:bodyPr/>
-          <a:lstStyle/>
-          <a:p>
-            <a:fld id="{853C61C4-4604-43D7-95F9-88C3200C335D}" type="datetimeFigureOut">
-              <a:rPr lang="ru-RU" smtClean="0"/>
-              <a:t>08.11.2021</a:t>
-            </a:fld>
-            <a:endParaRPr lang="ru-RU"/>
-          </a:p>
-        </p:txBody>
-      </p:sp>
-      <p:sp>
-        <p:nvSpPr>
-          <p:cNvPr id="6" name="Нижний колонтитул 5"/>
-          <p:cNvSpPr>
-            <a:spLocks noGrp="1"/>
-          </p:cNvSpPr>
-          <p:nvPr>
-            <p:ph type="ftr" sz="quarter" idx="11"/>
-          </p:nvPr>
-        </p:nvSpPr>
-        <p:spPr/>
-        <p:txBody>
-          <a:bodyPr/>
-          <a:lstStyle/>
-          <a:p>
-            <a:endParaRPr lang="ru-RU"/>
-          </a:p>
-        </p:txBody>
-      </p:sp>
-      <p:sp>
-        <p:nvSpPr>
-          <p:cNvPr id="7" name="Номер слайда 6"/>
-          <p:cNvSpPr>
-            <a:spLocks noGrp="1"/>
-          </p:cNvSpPr>
-          <p:nvPr>
-            <p:ph type="sldNum" sz="quarter" idx="12"/>
-          </p:nvPr>
-        </p:nvSpPr>
-        <p:spPr/>
-        <p:txBody>
-          <a:bodyPr/>
-          <a:lstStyle/>
           <a:p>
             <a:fld id="{E375BBA4-837F-4EEE-98E9-242902373101}" type="slidenum">
               <a:rPr lang="ru-RU" smtClean="0"/>
@@ -2144,7 +2479,7 @@
     </p:spTree>
     <p:extLst>
       <p:ext uri="{BB962C8B-B14F-4D97-AF65-F5344CB8AC3E}">
-        <p14:creationId xmlns:p14="http://schemas.microsoft.com/office/powerpoint/2010/main" val="2995693631"/>
+        <p14:creationId xmlns:p14="http://schemas.microsoft.com/office/powerpoint/2010/main" val="3077699321"/>
       </p:ext>
     </p:extLst>
   </p:cSld>
@@ -2157,6 +2492,14 @@
 <file path=ppt/slideLayouts/slideLayout9.xml><?xml version="1.0" encoding="utf-8"?>
 <p:sldLayout xmlns:a="http://schemas.openxmlformats.org/drawingml/2006/main" xmlns:r="http://schemas.openxmlformats.org/officeDocument/2006/relationships" xmlns:p="http://schemas.openxmlformats.org/presentationml/2006/main" type="picTx" preserve="1">
   <p:cSld name="Рисунок с подписью">
+    <p:bg>
+      <p:bgPr>
+        <a:solidFill>
+          <a:schemeClr val="accent1"/>
+        </a:solidFill>
+        <a:effectLst/>
+      </p:bgPr>
+    </p:bg>
     <p:spTree>
       <p:nvGrpSpPr>
         <p:cNvPr id="1" name=""/>
@@ -2173,7 +2516,7 @@
       </p:grpSpPr>
       <p:sp>
         <p:nvSpPr>
-          <p:cNvPr id="2" name="Заголовок 1"/>
+          <p:cNvPr id="2" name="Title 1"/>
           <p:cNvSpPr>
             <a:spLocks noGrp="1"/>
           </p:cNvSpPr>
@@ -2183,15 +2526,21 @@
         </p:nvSpPr>
         <p:spPr>
           <a:xfrm>
-            <a:off x="839788" y="457200"/>
-            <a:ext cx="3932237" cy="1600200"/>
+            <a:off x="649224" y="5418667"/>
+            <a:ext cx="10780776" cy="613283"/>
           </a:xfrm>
         </p:spPr>
         <p:txBody>
-          <a:bodyPr anchor="b"/>
+          <a:bodyPr anchor="b">
+            <a:normAutofit/>
+          </a:bodyPr>
           <a:lstStyle>
             <a:lvl1pPr>
-              <a:defRPr sz="3200"/>
+              <a:defRPr sz="3200" b="0">
+                <a:solidFill>
+                  <a:srgbClr val="FFFFFF"/>
+                </a:solidFill>
+              </a:defRPr>
             </a:lvl1pPr>
           </a:lstStyle>
           <a:p>
@@ -2199,15 +2548,15 @@
               <a:rPr lang="ru-RU" smtClean="0"/>
               <a:t>Образец заголовка</a:t>
             </a:r>
-            <a:endParaRPr lang="ru-RU"/>
-          </a:p>
-        </p:txBody>
-      </p:sp>
-      <p:sp>
-        <p:nvSpPr>
-          <p:cNvPr id="3" name="Рисунок 2"/>
-          <p:cNvSpPr>
-            <a:spLocks noGrp="1"/>
+            <a:endParaRPr lang="en-US" dirty="0"/>
+          </a:p>
+        </p:txBody>
+      </p:sp>
+      <p:sp>
+        <p:nvSpPr>
+          <p:cNvPr id="3" name="Picture Placeholder 2"/>
+          <p:cNvSpPr>
+            <a:spLocks noGrp="1" noChangeAspect="1"/>
           </p:cNvSpPr>
           <p:nvPr>
             <p:ph type="pic" idx="1"/>
@@ -2215,16 +2564,32 @@
         </p:nvSpPr>
         <p:spPr>
           <a:xfrm>
-            <a:off x="5183188" y="987425"/>
-            <a:ext cx="6172200" cy="4873625"/>
+            <a:off x="0" y="0"/>
+            <a:ext cx="12192000" cy="5330952"/>
           </a:xfrm>
+          <a:solidFill>
+            <a:schemeClr val="accent1">
+              <a:lumMod val="40000"/>
+              <a:lumOff val="60000"/>
+            </a:schemeClr>
+          </a:solidFill>
         </p:spPr>
         <p:txBody>
-          <a:bodyPr/>
+          <a:bodyPr anchor="t"/>
           <a:lstStyle>
-            <a:lvl1pPr marL="0" indent="0">
-              <a:buNone/>
-              <a:defRPr sz="3200"/>
+            <a:lvl1pPr marL="0" indent="0" algn="ctr">
+              <a:spcBef>
+                <a:spcPts val="800"/>
+              </a:spcBef>
+              <a:buNone/>
+              <a:defRPr sz="3200">
+                <a:solidFill>
+                  <a:schemeClr val="tx1">
+                    <a:lumMod val="75000"/>
+                    <a:lumOff val="25000"/>
+                  </a:schemeClr>
+                </a:solidFill>
+              </a:defRPr>
             </a:lvl1pPr>
             <a:lvl2pPr marL="457200" indent="0">
               <a:buNone/>
@@ -2260,13 +2625,17 @@
             </a:lvl9pPr>
           </a:lstStyle>
           <a:p>
-            <a:endParaRPr lang="ru-RU"/>
-          </a:p>
-        </p:txBody>
-      </p:sp>
-      <p:sp>
-        <p:nvSpPr>
-          <p:cNvPr id="4" name="Текст 3"/>
+            <a:r>
+              <a:rPr lang="ru-RU" smtClean="0"/>
+              <a:t>Вставка рисунка</a:t>
+            </a:r>
+            <a:endParaRPr lang="en-US" dirty="0"/>
+          </a:p>
+        </p:txBody>
+      </p:sp>
+      <p:sp>
+        <p:nvSpPr>
+          <p:cNvPr id="4" name="Text Placeholder 3"/>
           <p:cNvSpPr>
             <a:spLocks noGrp="1"/>
           </p:cNvSpPr>
@@ -2276,77 +2645,96 @@
         </p:nvSpPr>
         <p:spPr>
           <a:xfrm>
-            <a:off x="839788" y="2057400"/>
-            <a:ext cx="3932237" cy="3811588"/>
+            <a:off x="676656" y="5909735"/>
+            <a:ext cx="9229344" cy="533400"/>
           </a:xfrm>
         </p:spPr>
         <p:txBody>
+          <a:bodyPr>
+            <a:normAutofit/>
+          </a:bodyPr>
+          <a:lstStyle>
+            <a:lvl1pPr marL="0" indent="0">
+              <a:lnSpc>
+                <a:spcPct val="90000"/>
+              </a:lnSpc>
+              <a:buNone/>
+              <a:defRPr sz="1400">
+                <a:solidFill>
+                  <a:srgbClr val="262626"/>
+                </a:solidFill>
+              </a:defRPr>
+            </a:lvl1pPr>
+            <a:lvl2pPr marL="457200" indent="0">
+              <a:buNone/>
+              <a:defRPr sz="1200"/>
+            </a:lvl2pPr>
+            <a:lvl3pPr marL="914400" indent="0">
+              <a:buNone/>
+              <a:defRPr sz="1000"/>
+            </a:lvl3pPr>
+            <a:lvl4pPr marL="1371600" indent="0">
+              <a:buNone/>
+              <a:defRPr sz="900"/>
+            </a:lvl4pPr>
+            <a:lvl5pPr marL="1828800" indent="0">
+              <a:buNone/>
+              <a:defRPr sz="900"/>
+            </a:lvl5pPr>
+            <a:lvl6pPr marL="2286000" indent="0">
+              <a:buNone/>
+              <a:defRPr sz="900"/>
+            </a:lvl6pPr>
+            <a:lvl7pPr marL="2743200" indent="0">
+              <a:buNone/>
+              <a:defRPr sz="900"/>
+            </a:lvl7pPr>
+            <a:lvl8pPr marL="3200400" indent="0">
+              <a:buNone/>
+              <a:defRPr sz="900"/>
+            </a:lvl8pPr>
+            <a:lvl9pPr marL="3657600" indent="0">
+              <a:buNone/>
+              <a:defRPr sz="900"/>
+            </a:lvl9pPr>
+          </a:lstStyle>
+          <a:p>
+            <a:pPr lvl="0"/>
+            <a:r>
+              <a:rPr lang="ru-RU" smtClean="0"/>
+              <a:t>Образец текста</a:t>
+            </a:r>
+          </a:p>
+        </p:txBody>
+      </p:sp>
+      <p:sp>
+        <p:nvSpPr>
+          <p:cNvPr id="12" name="Date Placeholder 11"/>
+          <p:cNvSpPr>
+            <a:spLocks noGrp="1"/>
+          </p:cNvSpPr>
+          <p:nvPr>
+            <p:ph type="dt" sz="half" idx="10"/>
+          </p:nvPr>
+        </p:nvSpPr>
+        <p:spPr/>
+        <p:txBody>
           <a:bodyPr/>
           <a:lstStyle>
-            <a:lvl1pPr marL="0" indent="0">
-              <a:buNone/>
-              <a:defRPr sz="1600"/>
+            <a:lvl1pPr>
+              <a:defRPr>
+                <a:solidFill>
+                  <a:srgbClr val="FFFFFF">
+                    <a:alpha val="80000"/>
+                  </a:srgbClr>
+                </a:solidFill>
+              </a:defRPr>
             </a:lvl1pPr>
-            <a:lvl2pPr marL="457200" indent="0">
-              <a:buNone/>
-              <a:defRPr sz="1400"/>
-            </a:lvl2pPr>
-            <a:lvl3pPr marL="914400" indent="0">
-              <a:buNone/>
-              <a:defRPr sz="1200"/>
-            </a:lvl3pPr>
-            <a:lvl4pPr marL="1371600" indent="0">
-              <a:buNone/>
-              <a:defRPr sz="1000"/>
-            </a:lvl4pPr>
-            <a:lvl5pPr marL="1828800" indent="0">
-              <a:buNone/>
-              <a:defRPr sz="1000"/>
-            </a:lvl5pPr>
-            <a:lvl6pPr marL="2286000" indent="0">
-              <a:buNone/>
-              <a:defRPr sz="1000"/>
-            </a:lvl6pPr>
-            <a:lvl7pPr marL="2743200" indent="0">
-              <a:buNone/>
-              <a:defRPr sz="1000"/>
-            </a:lvl7pPr>
-            <a:lvl8pPr marL="3200400" indent="0">
-              <a:buNone/>
-              <a:defRPr sz="1000"/>
-            </a:lvl8pPr>
-            <a:lvl9pPr marL="3657600" indent="0">
-              <a:buNone/>
-              <a:defRPr sz="1000"/>
-            </a:lvl9pPr>
           </a:lstStyle>
           <a:p>
-            <a:pPr lvl="0"/>
-            <a:r>
-              <a:rPr lang="ru-RU" smtClean="0"/>
-              <a:t>Образец текста</a:t>
-            </a:r>
-          </a:p>
-        </p:txBody>
-      </p:sp>
-      <p:sp>
-        <p:nvSpPr>
-          <p:cNvPr id="5" name="Дата 4"/>
-          <p:cNvSpPr>
-            <a:spLocks noGrp="1"/>
-          </p:cNvSpPr>
-          <p:nvPr>
-            <p:ph type="dt" sz="half" idx="10"/>
-          </p:nvPr>
-        </p:nvSpPr>
-        <p:spPr/>
-        <p:txBody>
-          <a:bodyPr/>
-          <a:lstStyle/>
-          <a:p>
             <a:fld id="{853C61C4-4604-43D7-95F9-88C3200C335D}" type="datetimeFigureOut">
               <a:rPr lang="ru-RU" smtClean="0"/>
-              <a:t>08.11.2021</a:t>
+              <a:t>17.11.2021</a:t>
             </a:fld>
             <a:endParaRPr lang="ru-RU"/>
           </a:p>
@@ -2354,7 +2742,7 @@
       </p:sp>
       <p:sp>
         <p:nvSpPr>
-          <p:cNvPr id="6" name="Нижний колонтитул 5"/>
+          <p:cNvPr id="13" name="Footer Placeholder 12"/>
           <p:cNvSpPr>
             <a:spLocks noGrp="1"/>
           </p:cNvSpPr>
@@ -2365,7 +2753,17 @@
         <p:spPr/>
         <p:txBody>
           <a:bodyPr/>
-          <a:lstStyle/>
+          <a:lstStyle>
+            <a:lvl1pPr>
+              <a:defRPr>
+                <a:solidFill>
+                  <a:srgbClr val="FFFFFF">
+                    <a:alpha val="80000"/>
+                  </a:srgbClr>
+                </a:solidFill>
+              </a:defRPr>
+            </a:lvl1pPr>
+          </a:lstStyle>
           <a:p>
             <a:endParaRPr lang="ru-RU"/>
           </a:p>
@@ -2373,7 +2771,7 @@
       </p:sp>
       <p:sp>
         <p:nvSpPr>
-          <p:cNvPr id="7" name="Номер слайда 6"/>
+          <p:cNvPr id="14" name="Slide Number Placeholder 13"/>
           <p:cNvSpPr>
             <a:spLocks noGrp="1"/>
           </p:cNvSpPr>
@@ -2384,7 +2782,17 @@
         <p:spPr/>
         <p:txBody>
           <a:bodyPr/>
-          <a:lstStyle/>
+          <a:lstStyle>
+            <a:lvl1pPr>
+              <a:defRPr>
+                <a:solidFill>
+                  <a:srgbClr val="FFFFFF">
+                    <a:alpha val="25000"/>
+                  </a:srgbClr>
+                </a:solidFill>
+              </a:defRPr>
+            </a:lvl1pPr>
+          </a:lstStyle>
           <a:p>
             <a:fld id="{E375BBA4-837F-4EEE-98E9-242902373101}" type="slidenum">
               <a:rPr lang="ru-RU" smtClean="0"/>
@@ -2397,12 +2805,12 @@
     </p:spTree>
     <p:extLst>
       <p:ext uri="{BB962C8B-B14F-4D97-AF65-F5344CB8AC3E}">
-        <p14:creationId xmlns:p14="http://schemas.microsoft.com/office/powerpoint/2010/main" val="1731452934"/>
+        <p14:creationId xmlns:p14="http://schemas.microsoft.com/office/powerpoint/2010/main" val="448406966"/>
       </p:ext>
     </p:extLst>
   </p:cSld>
   <p:clrMapOvr>
-    <a:masterClrMapping/>
+    <a:overrideClrMapping bg1="lt1" tx1="dk1" bg2="lt2" tx2="dk2" accent1="accent1" accent2="accent2" accent3="accent3" accent4="accent4" accent5="accent5" accent6="accent6" hlink="hlink" folHlink="folHlink"/>
   </p:clrMapOvr>
 </p:sldLayout>
 </file>
@@ -2431,7 +2839,7 @@
       </p:grpSpPr>
       <p:sp>
         <p:nvSpPr>
-          <p:cNvPr id="2" name="Заголовок 1"/>
+          <p:cNvPr id="2" name="Title Placeholder 1"/>
           <p:cNvSpPr>
             <a:spLocks noGrp="1"/>
           </p:cNvSpPr>
@@ -2441,8 +2849,8 @@
         </p:nvSpPr>
         <p:spPr>
           <a:xfrm>
-            <a:off x="838200" y="365125"/>
-            <a:ext cx="10515600" cy="1325563"/>
+            <a:off x="657224" y="499533"/>
+            <a:ext cx="10772775" cy="1658198"/>
           </a:xfrm>
           <a:prstGeom prst="rect">
             <a:avLst/>
@@ -2458,13 +2866,13 @@
               <a:rPr lang="ru-RU" smtClean="0"/>
               <a:t>Образец заголовка</a:t>
             </a:r>
-            <a:endParaRPr lang="ru-RU"/>
-          </a:p>
-        </p:txBody>
-      </p:sp>
-      <p:sp>
-        <p:nvSpPr>
-          <p:cNvPr id="3" name="Текст 2"/>
+            <a:endParaRPr lang="en-US" dirty="0"/>
+          </a:p>
+        </p:txBody>
+      </p:sp>
+      <p:sp>
+        <p:nvSpPr>
+          <p:cNvPr id="3" name="Text Placeholder 2"/>
           <p:cNvSpPr>
             <a:spLocks noGrp="1"/>
           </p:cNvSpPr>
@@ -2474,8 +2882,8 @@
         </p:nvSpPr>
         <p:spPr>
           <a:xfrm>
-            <a:off x="838200" y="1825625"/>
-            <a:ext cx="10515600" cy="4351338"/>
+            <a:off x="676656" y="2011680"/>
+            <a:ext cx="10753725" cy="3766185"/>
           </a:xfrm>
           <a:prstGeom prst="rect">
             <a:avLst/>
@@ -2520,13 +2928,13 @@
               <a:rPr lang="ru-RU" smtClean="0"/>
               <a:t>Пятый уровень</a:t>
             </a:r>
-            <a:endParaRPr lang="ru-RU"/>
-          </a:p>
-        </p:txBody>
-      </p:sp>
-      <p:sp>
-        <p:nvSpPr>
-          <p:cNvPr id="4" name="Дата 3"/>
+            <a:endParaRPr lang="en-US" dirty="0"/>
+          </a:p>
+        </p:txBody>
+      </p:sp>
+      <p:sp>
+        <p:nvSpPr>
+          <p:cNvPr id="4" name="Date Placeholder 3"/>
           <p:cNvSpPr>
             <a:spLocks noGrp="1"/>
           </p:cNvSpPr>
@@ -2536,8 +2944,8 @@
         </p:nvSpPr>
         <p:spPr>
           <a:xfrm>
-            <a:off x="838200" y="6356350"/>
-            <a:ext cx="2743200" cy="365125"/>
+            <a:off x="685800" y="6412447"/>
+            <a:ext cx="4114800" cy="228600"/>
           </a:xfrm>
           <a:prstGeom prst="rect">
             <a:avLst/>
@@ -2547,10 +2955,10 @@
           <a:bodyPr vert="horz" lIns="91440" tIns="45720" rIns="91440" bIns="45720" rtlCol="0" anchor="ctr"/>
           <a:lstStyle>
             <a:lvl1pPr algn="l">
-              <a:defRPr sz="1200">
+              <a:defRPr sz="950">
                 <a:solidFill>
                   <a:schemeClr val="tx1">
-                    <a:tint val="75000"/>
+                    <a:alpha val="80000"/>
                   </a:schemeClr>
                 </a:solidFill>
               </a:defRPr>
@@ -2559,7 +2967,7 @@
           <a:p>
             <a:fld id="{853C61C4-4604-43D7-95F9-88C3200C335D}" type="datetimeFigureOut">
               <a:rPr lang="ru-RU" smtClean="0"/>
-              <a:t>08.11.2021</a:t>
+              <a:t>17.11.2021</a:t>
             </a:fld>
             <a:endParaRPr lang="ru-RU"/>
           </a:p>
@@ -2567,7 +2975,7 @@
       </p:sp>
       <p:sp>
         <p:nvSpPr>
-          <p:cNvPr id="5" name="Нижний колонтитул 4"/>
+          <p:cNvPr id="5" name="Footer Placeholder 4"/>
           <p:cNvSpPr>
             <a:spLocks noGrp="1"/>
           </p:cNvSpPr>
@@ -2577,8 +2985,8 @@
         </p:nvSpPr>
         <p:spPr>
           <a:xfrm>
-            <a:off x="4038600" y="6356350"/>
-            <a:ext cx="4114800" cy="365125"/>
+            <a:off x="685800" y="6554697"/>
+            <a:ext cx="5029200" cy="228600"/>
           </a:xfrm>
           <a:prstGeom prst="rect">
             <a:avLst/>
@@ -2587,11 +2995,11 @@
         <p:txBody>
           <a:bodyPr vert="horz" lIns="91440" tIns="45720" rIns="91440" bIns="45720" rtlCol="0" anchor="ctr"/>
           <a:lstStyle>
-            <a:lvl1pPr algn="ctr">
-              <a:defRPr sz="1200">
+            <a:lvl1pPr algn="l">
+              <a:defRPr sz="950" cap="all" baseline="0">
                 <a:solidFill>
                   <a:schemeClr val="tx1">
-                    <a:tint val="75000"/>
+                    <a:alpha val="80000"/>
                   </a:schemeClr>
                 </a:solidFill>
               </a:defRPr>
@@ -2604,7 +3012,7 @@
       </p:sp>
       <p:sp>
         <p:nvSpPr>
-          <p:cNvPr id="6" name="Номер слайда 5"/>
+          <p:cNvPr id="6" name="Slide Number Placeholder 5"/>
           <p:cNvSpPr>
             <a:spLocks noGrp="1"/>
           </p:cNvSpPr>
@@ -2614,23 +3022,27 @@
         </p:nvSpPr>
         <p:spPr>
           <a:xfrm>
-            <a:off x="8610600" y="6356350"/>
-            <a:ext cx="2743200" cy="365125"/>
+            <a:off x="8763926" y="5876412"/>
+            <a:ext cx="2926080" cy="1397039"/>
           </a:xfrm>
           <a:prstGeom prst="rect">
             <a:avLst/>
           </a:prstGeom>
         </p:spPr>
         <p:txBody>
-          <a:bodyPr vert="horz" lIns="91440" tIns="45720" rIns="91440" bIns="45720" rtlCol="0" anchor="ctr"/>
+          <a:bodyPr vert="horz" lIns="91440" tIns="45720" rIns="91440" bIns="45720" rtlCol="0" anchor="b"/>
           <a:lstStyle>
             <a:lvl1pPr algn="r">
-              <a:defRPr sz="1200">
+              <a:defRPr sz="10300" b="0">
+                <a:ln>
+                  <a:noFill/>
+                </a:ln>
                 <a:solidFill>
-                  <a:schemeClr val="tx1">
-                    <a:tint val="75000"/>
+                  <a:schemeClr val="accent1">
+                    <a:alpha val="25000"/>
                   </a:schemeClr>
                 </a:solidFill>
+                <a:latin typeface="+mj-lt"/>
               </a:defRPr>
             </a:lvl1pPr>
           </a:lstStyle>
@@ -2646,37 +3058,37 @@
     </p:spTree>
     <p:extLst>
       <p:ext uri="{BB962C8B-B14F-4D97-AF65-F5344CB8AC3E}">
-        <p14:creationId xmlns:p14="http://schemas.microsoft.com/office/powerpoint/2010/main" val="1167801256"/>
+        <p14:creationId xmlns:p14="http://schemas.microsoft.com/office/powerpoint/2010/main" val="155184768"/>
       </p:ext>
     </p:extLst>
   </p:cSld>
   <p:clrMap bg1="lt1" tx1="dk1" bg2="lt2" tx2="dk2" accent1="accent1" accent2="accent2" accent3="accent3" accent4="accent4" accent5="accent5" accent6="accent6" hlink="hlink" folHlink="folHlink"/>
   <p:sldLayoutIdLst>
-    <p:sldLayoutId id="2147483649" r:id="rId1"/>
-    <p:sldLayoutId id="2147483650" r:id="rId2"/>
-    <p:sldLayoutId id="2147483651" r:id="rId3"/>
-    <p:sldLayoutId id="2147483652" r:id="rId4"/>
-    <p:sldLayoutId id="2147483653" r:id="rId5"/>
-    <p:sldLayoutId id="2147483654" r:id="rId6"/>
-    <p:sldLayoutId id="2147483655" r:id="rId7"/>
-    <p:sldLayoutId id="2147483656" r:id="rId8"/>
-    <p:sldLayoutId id="2147483657" r:id="rId9"/>
-    <p:sldLayoutId id="2147483658" r:id="rId10"/>
-    <p:sldLayoutId id="2147483659" r:id="rId11"/>
+    <p:sldLayoutId id="2147483841" r:id="rId1"/>
+    <p:sldLayoutId id="2147483842" r:id="rId2"/>
+    <p:sldLayoutId id="2147483843" r:id="rId3"/>
+    <p:sldLayoutId id="2147483844" r:id="rId4"/>
+    <p:sldLayoutId id="2147483845" r:id="rId5"/>
+    <p:sldLayoutId id="2147483846" r:id="rId6"/>
+    <p:sldLayoutId id="2147483847" r:id="rId7"/>
+    <p:sldLayoutId id="2147483848" r:id="rId8"/>
+    <p:sldLayoutId id="2147483849" r:id="rId9"/>
+    <p:sldLayoutId id="2147483850" r:id="rId10"/>
+    <p:sldLayoutId id="2147483851" r:id="rId11"/>
   </p:sldLayoutIdLst>
   <p:txStyles>
     <p:titleStyle>
       <a:lvl1pPr algn="l" defTabSz="914400" rtl="0" eaLnBrk="1" latinLnBrk="0" hangingPunct="1">
         <a:lnSpc>
-          <a:spcPct val="90000"/>
+          <a:spcPct val="85000"/>
         </a:lnSpc>
         <a:spcBef>
           <a:spcPct val="0"/>
         </a:spcBef>
         <a:buNone/>
-        <a:defRPr sz="4400" kern="1200">
+        <a:defRPr sz="5400" kern="1200" spc="-120" baseline="0">
           <a:solidFill>
-            <a:schemeClr val="tx1"/>
+            <a:schemeClr val="accent1"/>
           </a:solidFill>
           <a:latin typeface="+mj-lt"/>
           <a:ea typeface="+mj-ea"/>
@@ -2685,162 +3097,189 @@
       </a:lvl1pPr>
     </p:titleStyle>
     <p:bodyStyle>
-      <a:lvl1pPr marL="228600" indent="-228600" algn="l" defTabSz="914400" rtl="0" eaLnBrk="1" latinLnBrk="0" hangingPunct="1">
+      <a:lvl1pPr marL="91440" indent="-91440" algn="l" defTabSz="914400" rtl="0" eaLnBrk="1" latinLnBrk="0" hangingPunct="1">
         <a:lnSpc>
-          <a:spcPct val="90000"/>
+          <a:spcPct val="85000"/>
         </a:lnSpc>
         <a:spcBef>
-          <a:spcPts val="1000"/>
+          <a:spcPts val="1300"/>
         </a:spcBef>
-        <a:buFont typeface="Arial" panose="020B0604020202020204" pitchFamily="34" charset="0"/>
-        <a:buChar char="•"/>
-        <a:defRPr sz="2800" kern="1200">
+        <a:buFont typeface="Arial" pitchFamily="34" charset="0"/>
+        <a:buChar char=" "/>
+        <a:defRPr sz="2400" kern="1200">
           <a:solidFill>
-            <a:schemeClr val="tx1"/>
+            <a:schemeClr val="tx1">
+              <a:lumMod val="85000"/>
+              <a:lumOff val="15000"/>
+            </a:schemeClr>
           </a:solidFill>
           <a:latin typeface="+mn-lt"/>
           <a:ea typeface="+mn-ea"/>
           <a:cs typeface="+mn-cs"/>
         </a:defRPr>
       </a:lvl1pPr>
-      <a:lvl2pPr marL="685800" indent="-228600" algn="l" defTabSz="914400" rtl="0" eaLnBrk="1" latinLnBrk="0" hangingPunct="1">
+      <a:lvl2pPr marL="347472" indent="-342900" algn="l" defTabSz="914400" rtl="0" eaLnBrk="1" latinLnBrk="0" hangingPunct="1">
         <a:lnSpc>
-          <a:spcPct val="90000"/>
+          <a:spcPct val="85000"/>
         </a:lnSpc>
         <a:spcBef>
-          <a:spcPts val="500"/>
+          <a:spcPts val="600"/>
         </a:spcBef>
-        <a:buFont typeface="Arial" panose="020B0604020202020204" pitchFamily="34" charset="0"/>
-        <a:buChar char="•"/>
+        <a:buFont typeface="Arial" pitchFamily="34" charset="0"/>
+        <a:buChar char=" "/>
         <a:defRPr sz="2400" kern="1200">
           <a:solidFill>
-            <a:schemeClr val="tx1"/>
+            <a:schemeClr val="tx1">
+              <a:lumMod val="85000"/>
+              <a:lumOff val="15000"/>
+            </a:schemeClr>
           </a:solidFill>
           <a:latin typeface="+mn-lt"/>
           <a:ea typeface="+mn-ea"/>
           <a:cs typeface="+mn-cs"/>
         </a:defRPr>
       </a:lvl2pPr>
-      <a:lvl3pPr marL="1143000" indent="-228600" algn="l" defTabSz="914400" rtl="0" eaLnBrk="1" latinLnBrk="0" hangingPunct="1">
+      <a:lvl3pPr marL="548640" indent="-548640" algn="l" defTabSz="914400" rtl="0" eaLnBrk="1" latinLnBrk="0" hangingPunct="1">
         <a:lnSpc>
-          <a:spcPct val="90000"/>
+          <a:spcPct val="85000"/>
         </a:lnSpc>
         <a:spcBef>
-          <a:spcPts val="500"/>
+          <a:spcPts val="600"/>
         </a:spcBef>
-        <a:buFont typeface="Arial" panose="020B0604020202020204" pitchFamily="34" charset="0"/>
-        <a:buChar char="•"/>
-        <a:defRPr sz="2000" kern="1200">
+        <a:buFont typeface="Arial" pitchFamily="34" charset="0"/>
+        <a:buChar char=" "/>
+        <a:defRPr sz="2000" i="1" kern="1200">
           <a:solidFill>
-            <a:schemeClr val="tx1"/>
+            <a:schemeClr val="tx1">
+              <a:lumMod val="85000"/>
+              <a:lumOff val="15000"/>
+            </a:schemeClr>
           </a:solidFill>
           <a:latin typeface="+mn-lt"/>
           <a:ea typeface="+mn-ea"/>
           <a:cs typeface="+mn-cs"/>
         </a:defRPr>
       </a:lvl3pPr>
-      <a:lvl4pPr marL="1600200" indent="-228600" algn="l" defTabSz="914400" rtl="0" eaLnBrk="1" latinLnBrk="0" hangingPunct="1">
+      <a:lvl4pPr marL="822960" indent="-822960" algn="l" defTabSz="914400" rtl="0" eaLnBrk="1" latinLnBrk="0" hangingPunct="1">
         <a:lnSpc>
-          <a:spcPct val="90000"/>
+          <a:spcPct val="85000"/>
         </a:lnSpc>
         <a:spcBef>
-          <a:spcPts val="500"/>
+          <a:spcPts val="600"/>
         </a:spcBef>
-        <a:buFont typeface="Arial" panose="020B0604020202020204" pitchFamily="34" charset="0"/>
-        <a:buChar char="•"/>
+        <a:buFont typeface="Arial" pitchFamily="34" charset="0"/>
+        <a:buChar char=" "/>
         <a:defRPr sz="1800" kern="1200">
           <a:solidFill>
-            <a:schemeClr val="tx1"/>
+            <a:schemeClr val="tx1">
+              <a:lumMod val="85000"/>
+              <a:lumOff val="15000"/>
+            </a:schemeClr>
           </a:solidFill>
           <a:latin typeface="+mn-lt"/>
           <a:ea typeface="+mn-ea"/>
           <a:cs typeface="+mn-cs"/>
         </a:defRPr>
       </a:lvl4pPr>
-      <a:lvl5pPr marL="2057400" indent="-228600" algn="l" defTabSz="914400" rtl="0" eaLnBrk="1" latinLnBrk="0" hangingPunct="1">
+      <a:lvl5pPr marL="1097280" indent="-1097280" algn="l" defTabSz="914400" rtl="0" eaLnBrk="1" latinLnBrk="0" hangingPunct="1">
         <a:lnSpc>
-          <a:spcPct val="90000"/>
+          <a:spcPct val="85000"/>
         </a:lnSpc>
         <a:spcBef>
-          <a:spcPts val="500"/>
+          <a:spcPts val="600"/>
         </a:spcBef>
-        <a:buFont typeface="Arial" panose="020B0604020202020204" pitchFamily="34" charset="0"/>
-        <a:buChar char="•"/>
+        <a:buFont typeface="Arial" pitchFamily="34" charset="0"/>
+        <a:buChar char=" "/>
         <a:defRPr sz="1800" kern="1200">
           <a:solidFill>
-            <a:schemeClr val="tx1"/>
+            <a:schemeClr val="tx1">
+              <a:lumMod val="85000"/>
+              <a:lumOff val="15000"/>
+            </a:schemeClr>
           </a:solidFill>
           <a:latin typeface="+mn-lt"/>
           <a:ea typeface="+mn-ea"/>
           <a:cs typeface="+mn-cs"/>
         </a:defRPr>
       </a:lvl5pPr>
-      <a:lvl6pPr marL="2514600" indent="-228600" algn="l" defTabSz="914400" rtl="0" eaLnBrk="1" latinLnBrk="0" hangingPunct="1">
+      <a:lvl6pPr marL="1200000" indent="-228600" algn="l" defTabSz="914400" rtl="0" eaLnBrk="1" latinLnBrk="0" hangingPunct="1">
         <a:lnSpc>
-          <a:spcPct val="90000"/>
+          <a:spcPct val="85000"/>
         </a:lnSpc>
         <a:spcBef>
-          <a:spcPts val="500"/>
+          <a:spcPts val="600"/>
         </a:spcBef>
-        <a:buFont typeface="Arial" panose="020B0604020202020204" pitchFamily="34" charset="0"/>
-        <a:buChar char="•"/>
+        <a:buFont typeface="Arial" pitchFamily="34" charset="0"/>
+        <a:buChar char=" "/>
         <a:defRPr sz="1800" kern="1200">
           <a:solidFill>
-            <a:schemeClr val="tx1"/>
+            <a:schemeClr val="tx1">
+              <a:lumMod val="85000"/>
+              <a:lumOff val="15000"/>
+            </a:schemeClr>
           </a:solidFill>
           <a:latin typeface="+mn-lt"/>
           <a:ea typeface="+mn-ea"/>
           <a:cs typeface="+mn-cs"/>
         </a:defRPr>
       </a:lvl6pPr>
-      <a:lvl7pPr marL="2971800" indent="-228600" algn="l" defTabSz="914400" rtl="0" eaLnBrk="1" latinLnBrk="0" hangingPunct="1">
+      <a:lvl7pPr marL="1400000" indent="-228600" algn="l" defTabSz="914400" rtl="0" eaLnBrk="1" latinLnBrk="0" hangingPunct="1">
         <a:lnSpc>
-          <a:spcPct val="90000"/>
+          <a:spcPct val="85000"/>
         </a:lnSpc>
         <a:spcBef>
-          <a:spcPts val="500"/>
+          <a:spcPts val="600"/>
         </a:spcBef>
-        <a:buFont typeface="Arial" panose="020B0604020202020204" pitchFamily="34" charset="0"/>
-        <a:buChar char="•"/>
+        <a:buFont typeface="Arial" pitchFamily="34" charset="0"/>
+        <a:buChar char=" "/>
         <a:defRPr sz="1800" kern="1200">
           <a:solidFill>
-            <a:schemeClr val="tx1"/>
+            <a:schemeClr val="tx1">
+              <a:lumMod val="85000"/>
+              <a:lumOff val="15000"/>
+            </a:schemeClr>
           </a:solidFill>
           <a:latin typeface="+mn-lt"/>
           <a:ea typeface="+mn-ea"/>
           <a:cs typeface="+mn-cs"/>
         </a:defRPr>
       </a:lvl7pPr>
-      <a:lvl8pPr marL="3429000" indent="-228600" algn="l" defTabSz="914400" rtl="0" eaLnBrk="1" latinLnBrk="0" hangingPunct="1">
+      <a:lvl8pPr marL="1600000" indent="-228600" algn="l" defTabSz="914400" rtl="0" eaLnBrk="1" latinLnBrk="0" hangingPunct="1">
         <a:lnSpc>
-          <a:spcPct val="90000"/>
+          <a:spcPct val="85000"/>
         </a:lnSpc>
         <a:spcBef>
-          <a:spcPts val="500"/>
+          <a:spcPts val="600"/>
         </a:spcBef>
-        <a:buFont typeface="Arial" panose="020B0604020202020204" pitchFamily="34" charset="0"/>
-        <a:buChar char="•"/>
+        <a:buFont typeface="Arial" pitchFamily="34" charset="0"/>
+        <a:buChar char=" "/>
         <a:defRPr sz="1800" kern="1200">
           <a:solidFill>
-            <a:schemeClr val="tx1"/>
+            <a:schemeClr val="tx1">
+              <a:lumMod val="85000"/>
+              <a:lumOff val="15000"/>
+            </a:schemeClr>
           </a:solidFill>
           <a:latin typeface="+mn-lt"/>
           <a:ea typeface="+mn-ea"/>
           <a:cs typeface="+mn-cs"/>
         </a:defRPr>
       </a:lvl8pPr>
-      <a:lvl9pPr marL="3886200" indent="-228600" algn="l" defTabSz="914400" rtl="0" eaLnBrk="1" latinLnBrk="0" hangingPunct="1">
+      <a:lvl9pPr marL="1800000" indent="-228600" algn="l" defTabSz="914400" rtl="0" eaLnBrk="1" latinLnBrk="0" hangingPunct="1">
         <a:lnSpc>
-          <a:spcPct val="90000"/>
+          <a:spcPct val="85000"/>
         </a:lnSpc>
         <a:spcBef>
-          <a:spcPts val="500"/>
+          <a:spcPts val="600"/>
         </a:spcBef>
-        <a:buFont typeface="Arial" panose="020B0604020202020204" pitchFamily="34" charset="0"/>
-        <a:buChar char="•"/>
+        <a:buFont typeface="Arial" pitchFamily="34" charset="0"/>
+        <a:buChar char=" "/>
         <a:defRPr sz="1800" kern="1200">
           <a:solidFill>
-            <a:schemeClr val="tx1"/>
+            <a:schemeClr val="tx1">
+              <a:lumMod val="85000"/>
+              <a:lumOff val="15000"/>
+            </a:schemeClr>
           </a:solidFill>
           <a:latin typeface="+mn-lt"/>
           <a:ea typeface="+mn-ea"/>
@@ -2850,7 +3289,7 @@
     </p:bodyStyle>
     <p:otherStyle>
       <a:defPPr>
-        <a:defRPr lang="ru-RU"/>
+        <a:defRPr lang="en-US"/>
       </a:defPPr>
       <a:lvl1pPr marL="0" algn="l" defTabSz="914400" rtl="0" eaLnBrk="1" latinLnBrk="0" hangingPunct="1">
         <a:defRPr sz="1800" kern="1200">
@@ -2982,54 +3421,772 @@
             <a:spLocks noGrp="1"/>
           </p:cNvSpPr>
           <p:nvPr>
-            <p:ph type="ctrTitle"/>
+            <p:ph type="title"/>
           </p:nvPr>
         </p:nvSpPr>
         <p:spPr/>
         <p:txBody>
+          <a:bodyPr>
+            <a:normAutofit/>
+          </a:bodyPr>
+          <a:lstStyle/>
+          <a:p>
+            <a:r>
+              <a:rPr lang="ru-RU" sz="4400" dirty="0" smtClean="0">
+                <a:latin typeface="Arial Black" panose="020B0A04020102020204" pitchFamily="34" charset="0"/>
+              </a:rPr>
+              <a:t>Книжный каталог</a:t>
+            </a:r>
+            <a:endParaRPr lang="ru-RU" sz="4400" dirty="0">
+              <a:latin typeface="Arial Black" panose="020B0A04020102020204" pitchFamily="34" charset="0"/>
+            </a:endParaRPr>
+          </a:p>
+        </p:txBody>
+      </p:sp>
+      <p:sp>
+        <p:nvSpPr>
+          <p:cNvPr id="3" name="Подзаголовок 2"/>
+          <p:cNvSpPr>
+            <a:spLocks noGrp="1"/>
+          </p:cNvSpPr>
+          <p:nvPr>
+            <p:ph type="body" idx="1"/>
+          </p:nvPr>
+        </p:nvSpPr>
+        <p:spPr/>
+        <p:txBody>
           <a:bodyPr/>
           <a:lstStyle/>
           <a:p>
             <a:r>
-              <a:rPr lang="ru-RU" dirty="0" err="1" smtClean="0"/>
-              <a:t>Библиариум</a:t>
-            </a:r>
-            <a:endParaRPr lang="ru-RU" dirty="0"/>
-          </a:p>
-        </p:txBody>
-      </p:sp>
-      <p:sp>
-        <p:nvSpPr>
-          <p:cNvPr id="3" name="Подзаголовок 2"/>
-          <p:cNvSpPr>
-            <a:spLocks noGrp="1"/>
-          </p:cNvSpPr>
-          <p:nvPr>
-            <p:ph type="subTitle" idx="1"/>
-          </p:nvPr>
-        </p:nvSpPr>
-        <p:spPr/>
-        <p:txBody>
-          <a:bodyPr/>
-          <a:lstStyle/>
-          <a:p>
-            <a:r>
-              <a:rPr lang="ru-RU" dirty="0" smtClean="0"/>
-              <a:t>Грандиозный проект на </a:t>
-            </a:r>
-            <a:r>
-              <a:rPr lang="en-US" dirty="0" smtClean="0"/>
-              <a:t>PyQT5</a:t>
-            </a:r>
-            <a:endParaRPr lang="ru-RU" dirty="0"/>
+              <a:rPr lang="ru-RU" dirty="0" smtClean="0">
+                <a:solidFill>
+                  <a:schemeClr val="tx1"/>
+                </a:solidFill>
+                <a:latin typeface="Bahnschrift Light" panose="020B0502040204020203" pitchFamily="34" charset="0"/>
+              </a:rPr>
+              <a:t>Выполнил</a:t>
+            </a:r>
+            <a:r>
+              <a:rPr lang="en-US" dirty="0" smtClean="0">
+                <a:solidFill>
+                  <a:schemeClr val="tx1"/>
+                </a:solidFill>
+                <a:latin typeface="Bahnschrift Light" panose="020B0502040204020203" pitchFamily="34" charset="0"/>
+              </a:rPr>
+              <a:t>: </a:t>
+            </a:r>
+            <a:r>
+              <a:rPr lang="ru-RU" dirty="0" smtClean="0">
+                <a:solidFill>
+                  <a:schemeClr val="tx1"/>
+                </a:solidFill>
+                <a:latin typeface="Bahnschrift Light" panose="020B0502040204020203" pitchFamily="34" charset="0"/>
+              </a:rPr>
+              <a:t>Кудасов Глеб 2021</a:t>
+            </a:r>
+            <a:endParaRPr lang="ru-RU" dirty="0">
+              <a:solidFill>
+                <a:schemeClr val="tx1"/>
+              </a:solidFill>
+              <a:latin typeface="Bahnschrift Light" panose="020B0502040204020203" pitchFamily="34" charset="0"/>
+            </a:endParaRPr>
+          </a:p>
+        </p:txBody>
+      </p:sp>
+    </p:spTree>
+    <p:extLst>
+      <p:ext uri="{BB962C8B-B14F-4D97-AF65-F5344CB8AC3E}">
+        <p14:creationId xmlns:p14="http://schemas.microsoft.com/office/powerpoint/2010/main" val="4030713404"/>
+      </p:ext>
+    </p:extLst>
+  </p:cSld>
+  <p:clrMapOvr>
+    <a:masterClrMapping/>
+  </p:clrMapOvr>
+  <p:timing>
+    <p:tnLst>
+      <p:par>
+        <p:cTn id="1" dur="indefinite" restart="never" nodeType="tmRoot"/>
+      </p:par>
+    </p:tnLst>
+  </p:timing>
+</p:sld>
+</file>
+
+<file path=ppt/slides/slide2.xml><?xml version="1.0" encoding="utf-8"?>
+<p:sld xmlns:a="http://schemas.openxmlformats.org/drawingml/2006/main" xmlns:r="http://schemas.openxmlformats.org/officeDocument/2006/relationships" xmlns:p="http://schemas.openxmlformats.org/presentationml/2006/main">
+  <p:cSld>
+    <p:spTree>
+      <p:nvGrpSpPr>
+        <p:cNvPr id="1" name=""/>
+        <p:cNvGrpSpPr/>
+        <p:nvPr/>
+      </p:nvGrpSpPr>
+      <p:grpSpPr>
+        <a:xfrm>
+          <a:off x="0" y="0"/>
+          <a:ext cx="0" cy="0"/>
+          <a:chOff x="0" y="0"/>
+          <a:chExt cx="0" cy="0"/>
+        </a:xfrm>
+      </p:grpSpPr>
+      <p:sp>
+        <p:nvSpPr>
+          <p:cNvPr id="2" name="Заголовок 1"/>
+          <p:cNvSpPr>
+            <a:spLocks noGrp="1"/>
+          </p:cNvSpPr>
+          <p:nvPr>
+            <p:ph type="title"/>
+          </p:nvPr>
+        </p:nvSpPr>
+        <p:spPr>
+          <a:xfrm>
+            <a:off x="258588" y="118110"/>
+            <a:ext cx="10695924" cy="824865"/>
+          </a:xfrm>
+        </p:spPr>
+        <p:txBody>
+          <a:bodyPr>
+            <a:normAutofit/>
+          </a:bodyPr>
+          <a:lstStyle/>
+          <a:p>
+            <a:r>
+              <a:rPr lang="ru-RU" sz="4400" b="1" dirty="0" smtClean="0">
+                <a:latin typeface="Arial Black" panose="020B0A04020102020204" pitchFamily="34" charset="0"/>
+              </a:rPr>
+              <a:t>Возможности и вид программы</a:t>
+            </a:r>
+            <a:endParaRPr lang="ru-RU" sz="4400" b="1" dirty="0">
+              <a:latin typeface="Arial Black" panose="020B0A04020102020204" pitchFamily="34" charset="0"/>
+            </a:endParaRPr>
+          </a:p>
+        </p:txBody>
+      </p:sp>
+      <p:sp>
+        <p:nvSpPr>
+          <p:cNvPr id="3" name="Объект 2"/>
+          <p:cNvSpPr>
+            <a:spLocks noGrp="1"/>
+          </p:cNvSpPr>
+          <p:nvPr>
+            <p:ph type="body" idx="1"/>
+          </p:nvPr>
+        </p:nvSpPr>
+        <p:spPr>
+          <a:xfrm>
+            <a:off x="258588" y="1029754"/>
+            <a:ext cx="4577223" cy="731520"/>
+          </a:xfrm>
+          <a:solidFill>
+            <a:schemeClr val="accent1">
+              <a:alpha val="34000"/>
+            </a:schemeClr>
+          </a:solidFill>
+        </p:spPr>
+        <p:txBody>
+          <a:bodyPr>
+            <a:normAutofit/>
+          </a:bodyPr>
+          <a:lstStyle/>
+          <a:p>
+            <a:pPr marL="0" indent="0">
+              <a:buNone/>
+            </a:pPr>
+            <a:r>
+              <a:rPr lang="ru-RU" sz="2800" dirty="0" smtClean="0">
+                <a:latin typeface="Times New Roman" panose="02020603050405020304" pitchFamily="18" charset="0"/>
+                <a:cs typeface="Times New Roman" panose="02020603050405020304" pitchFamily="18" charset="0"/>
+              </a:rPr>
+              <a:t>Главное окно</a:t>
+            </a:r>
+            <a:endParaRPr lang="ru-RU" sz="2800" dirty="0">
+              <a:latin typeface="Times New Roman" panose="02020603050405020304" pitchFamily="18" charset="0"/>
+              <a:cs typeface="Times New Roman" panose="02020603050405020304" pitchFamily="18" charset="0"/>
+            </a:endParaRPr>
           </a:p>
         </p:txBody>
       </p:sp>
       <p:pic>
         <p:nvPicPr>
-          <p:cNvPr id="1026" name="Picture 2" descr="Библиарий | Warhammer 40000 Wiki | Fandom"/>
+          <p:cNvPr id="21" name="Объект 20"/>
           <p:cNvPicPr>
-            <a:picLocks noChangeAspect="1" noChangeArrowheads="1"/>
+            <a:picLocks noGrp="1" noChangeAspect="1"/>
+          </p:cNvPicPr>
+          <p:nvPr>
+            <p:ph sz="half" idx="2"/>
+          </p:nvPr>
+        </p:nvPicPr>
+        <p:blipFill>
+          <a:blip r:embed="rId2" cstate="print">
+            <a:extLst>
+              <a:ext uri="{28A0092B-C50C-407E-A947-70E740481C1C}">
+                <a14:useLocalDpi xmlns:a14="http://schemas.microsoft.com/office/drawing/2010/main" val="0"/>
+              </a:ext>
+            </a:extLst>
+          </a:blip>
+          <a:stretch>
+            <a:fillRect/>
+          </a:stretch>
+        </p:blipFill>
+        <p:spPr>
+          <a:xfrm>
+            <a:off x="258588" y="2445175"/>
+            <a:ext cx="3760962" cy="4098500"/>
+          </a:xfrm>
+          <a:ln>
+            <a:solidFill>
+              <a:schemeClr val="accent1">
+                <a:shade val="50000"/>
+              </a:schemeClr>
+            </a:solidFill>
+          </a:ln>
+        </p:spPr>
+      </p:pic>
+      <p:sp>
+        <p:nvSpPr>
+          <p:cNvPr id="19" name="Текст 18"/>
+          <p:cNvSpPr>
+            <a:spLocks noGrp="1"/>
+          </p:cNvSpPr>
+          <p:nvPr>
+            <p:ph type="body" sz="quarter" idx="3"/>
+          </p:nvPr>
+        </p:nvSpPr>
+        <p:spPr>
+          <a:xfrm>
+            <a:off x="6012180" y="1344323"/>
+            <a:ext cx="4568190" cy="731520"/>
+          </a:xfrm>
+          <a:solidFill>
+            <a:schemeClr val="accent1">
+              <a:alpha val="34000"/>
+            </a:schemeClr>
+          </a:solidFill>
+        </p:spPr>
+        <p:txBody>
+          <a:bodyPr>
+            <a:normAutofit/>
+          </a:bodyPr>
+          <a:lstStyle/>
+          <a:p>
+            <a:r>
+              <a:rPr lang="ru-RU" sz="2800" dirty="0" smtClean="0">
+                <a:latin typeface="Times New Roman" panose="02020603050405020304" pitchFamily="18" charset="0"/>
+                <a:cs typeface="Times New Roman" panose="02020603050405020304" pitchFamily="18" charset="0"/>
+              </a:rPr>
+              <a:t>Закладки</a:t>
+            </a:r>
+            <a:endParaRPr lang="ru-RU" sz="2800" dirty="0">
+              <a:latin typeface="Times New Roman" panose="02020603050405020304" pitchFamily="18" charset="0"/>
+              <a:cs typeface="Times New Roman" panose="02020603050405020304" pitchFamily="18" charset="0"/>
+            </a:endParaRPr>
+          </a:p>
+        </p:txBody>
+      </p:sp>
+      <p:pic>
+        <p:nvPicPr>
+          <p:cNvPr id="22" name="Объект 21"/>
+          <p:cNvPicPr>
+            <a:picLocks noGrp="1" noChangeAspect="1"/>
+          </p:cNvPicPr>
+          <p:nvPr>
+            <p:ph sz="quarter" idx="4"/>
+          </p:nvPr>
+        </p:nvPicPr>
+        <p:blipFill>
+          <a:blip r:embed="rId3" cstate="print">
+            <a:extLst>
+              <a:ext uri="{28A0092B-C50C-407E-A947-70E740481C1C}">
+                <a14:useLocalDpi xmlns:a14="http://schemas.microsoft.com/office/drawing/2010/main" val="0"/>
+              </a:ext>
+            </a:extLst>
+          </a:blip>
+          <a:stretch>
+            <a:fillRect/>
+          </a:stretch>
+        </p:blipFill>
+        <p:spPr>
+          <a:xfrm>
+            <a:off x="6126480" y="2445175"/>
+            <a:ext cx="3731895" cy="4076167"/>
+          </a:xfrm>
+          <a:ln>
+            <a:solidFill>
+              <a:schemeClr val="accent1">
+                <a:shade val="50000"/>
+              </a:schemeClr>
+            </a:solidFill>
+          </a:ln>
+        </p:spPr>
+      </p:pic>
+      <p:sp>
+        <p:nvSpPr>
+          <p:cNvPr id="4" name="TextBox 3"/>
+          <p:cNvSpPr txBox="1"/>
+          <p:nvPr/>
+        </p:nvSpPr>
+        <p:spPr>
+          <a:xfrm>
+            <a:off x="6012180" y="2075843"/>
+            <a:ext cx="3731895" cy="369332"/>
+          </a:xfrm>
+          <a:prstGeom prst="rect">
+            <a:avLst/>
+          </a:prstGeom>
+          <a:noFill/>
+        </p:spPr>
+        <p:txBody>
+          <a:bodyPr wrap="square" rtlCol="0">
+            <a:spAutoFit/>
+          </a:bodyPr>
+          <a:lstStyle/>
+          <a:p>
+            <a:r>
+              <a:rPr lang="ru-RU" dirty="0" smtClean="0"/>
+              <a:t>Просмотр сохраненных книг</a:t>
+            </a:r>
+            <a:endParaRPr lang="ru-RU" dirty="0"/>
+          </a:p>
+        </p:txBody>
+      </p:sp>
+      <p:sp>
+        <p:nvSpPr>
+          <p:cNvPr id="5" name="TextBox 4"/>
+          <p:cNvSpPr txBox="1"/>
+          <p:nvPr/>
+        </p:nvSpPr>
+        <p:spPr>
+          <a:xfrm>
+            <a:off x="179499" y="1798844"/>
+            <a:ext cx="4656312" cy="646331"/>
+          </a:xfrm>
+          <a:prstGeom prst="rect">
+            <a:avLst/>
+          </a:prstGeom>
+          <a:noFill/>
+        </p:spPr>
+        <p:txBody>
+          <a:bodyPr wrap="square" rtlCol="0">
+            <a:spAutoFit/>
+          </a:bodyPr>
+          <a:lstStyle/>
+          <a:p>
+            <a:r>
+              <a:rPr lang="ru-RU" dirty="0" smtClean="0"/>
+              <a:t>Поиск книг по названию, подбор по параметрам, добавление в избранное</a:t>
+            </a:r>
+            <a:endParaRPr lang="ru-RU" dirty="0"/>
+          </a:p>
+        </p:txBody>
+      </p:sp>
+    </p:spTree>
+    <p:extLst>
+      <p:ext uri="{BB962C8B-B14F-4D97-AF65-F5344CB8AC3E}">
+        <p14:creationId xmlns:p14="http://schemas.microsoft.com/office/powerpoint/2010/main" val="55893430"/>
+      </p:ext>
+    </p:extLst>
+  </p:cSld>
+  <p:clrMapOvr>
+    <a:masterClrMapping/>
+  </p:clrMapOvr>
+  <p:timing>
+    <p:tnLst>
+      <p:par>
+        <p:cTn id="1" dur="indefinite" restart="never" nodeType="tmRoot"/>
+      </p:par>
+    </p:tnLst>
+  </p:timing>
+</p:sld>
+</file>
+
+<file path=ppt/slides/slide3.xml><?xml version="1.0" encoding="utf-8"?>
+<p:sld xmlns:a="http://schemas.openxmlformats.org/drawingml/2006/main" xmlns:r="http://schemas.openxmlformats.org/officeDocument/2006/relationships" xmlns:p="http://schemas.openxmlformats.org/presentationml/2006/main">
+  <p:cSld>
+    <p:spTree>
+      <p:nvGrpSpPr>
+        <p:cNvPr id="1" name=""/>
+        <p:cNvGrpSpPr/>
+        <p:nvPr/>
+      </p:nvGrpSpPr>
+      <p:grpSpPr>
+        <a:xfrm>
+          <a:off x="0" y="0"/>
+          <a:ext cx="0" cy="0"/>
+          <a:chOff x="0" y="0"/>
+          <a:chExt cx="0" cy="0"/>
+        </a:xfrm>
+      </p:grpSpPr>
+      <p:sp>
+        <p:nvSpPr>
+          <p:cNvPr id="3" name="Текст 2"/>
+          <p:cNvSpPr>
+            <a:spLocks noGrp="1"/>
+          </p:cNvSpPr>
+          <p:nvPr>
+            <p:ph type="body" idx="1"/>
+          </p:nvPr>
+        </p:nvSpPr>
+        <p:spPr>
+          <a:xfrm>
+            <a:off x="523876" y="1003090"/>
+            <a:ext cx="4570857" cy="731520"/>
+          </a:xfrm>
+          <a:solidFill>
+            <a:schemeClr val="accent1">
+              <a:alpha val="34000"/>
+            </a:schemeClr>
+          </a:solidFill>
+        </p:spPr>
+        <p:txBody>
+          <a:bodyPr>
+            <a:normAutofit/>
+          </a:bodyPr>
+          <a:lstStyle/>
+          <a:p>
+            <a:r>
+              <a:rPr lang="ru-RU" sz="2800" dirty="0" smtClean="0">
+                <a:latin typeface="Times New Roman" panose="02020603050405020304" pitchFamily="18" charset="0"/>
+                <a:cs typeface="Times New Roman" panose="02020603050405020304" pitchFamily="18" charset="0"/>
+              </a:rPr>
+              <a:t>База данных</a:t>
+            </a:r>
+            <a:endParaRPr lang="ru-RU" sz="2800" dirty="0">
+              <a:latin typeface="Times New Roman" panose="02020603050405020304" pitchFamily="18" charset="0"/>
+              <a:cs typeface="Times New Roman" panose="02020603050405020304" pitchFamily="18" charset="0"/>
+            </a:endParaRPr>
+          </a:p>
+        </p:txBody>
+      </p:sp>
+      <p:pic>
+        <p:nvPicPr>
+          <p:cNvPr id="7" name="Объект 6"/>
+          <p:cNvPicPr>
+            <a:picLocks noGrp="1" noChangeAspect="1"/>
+          </p:cNvPicPr>
+          <p:nvPr>
+            <p:ph sz="half" idx="2"/>
+          </p:nvPr>
+        </p:nvPicPr>
+        <p:blipFill>
+          <a:blip r:embed="rId2" cstate="print">
+            <a:extLst>
+              <a:ext uri="{28A0092B-C50C-407E-A947-70E740481C1C}">
+                <a14:useLocalDpi xmlns:a14="http://schemas.microsoft.com/office/drawing/2010/main" val="0"/>
+              </a:ext>
+            </a:extLst>
+          </a:blip>
+          <a:stretch>
+            <a:fillRect/>
+          </a:stretch>
+        </p:blipFill>
+        <p:spPr>
+          <a:xfrm>
+            <a:off x="614172" y="2079623"/>
+            <a:ext cx="4480560" cy="4511675"/>
+          </a:xfrm>
+          <a:ln>
+            <a:solidFill>
+              <a:schemeClr val="accent1">
+                <a:shade val="50000"/>
+              </a:schemeClr>
+            </a:solidFill>
+          </a:ln>
+        </p:spPr>
+      </p:pic>
+      <p:sp>
+        <p:nvSpPr>
+          <p:cNvPr id="5" name="Текст 4"/>
+          <p:cNvSpPr>
+            <a:spLocks noGrp="1"/>
+          </p:cNvSpPr>
+          <p:nvPr>
+            <p:ph type="body" sz="quarter" idx="3"/>
+          </p:nvPr>
+        </p:nvSpPr>
+        <p:spPr>
+          <a:xfrm>
+            <a:off x="5930265" y="1003090"/>
+            <a:ext cx="4568190" cy="731520"/>
+          </a:xfrm>
+          <a:solidFill>
+            <a:schemeClr val="accent1">
+              <a:alpha val="34000"/>
+            </a:schemeClr>
+          </a:solidFill>
+        </p:spPr>
+        <p:txBody>
+          <a:bodyPr>
+            <a:normAutofit/>
+          </a:bodyPr>
+          <a:lstStyle/>
+          <a:p>
+            <a:r>
+              <a:rPr lang="ru-RU" sz="2800" dirty="0" smtClean="0">
+                <a:latin typeface="Times New Roman" panose="02020603050405020304" pitchFamily="18" charset="0"/>
+                <a:cs typeface="Times New Roman" panose="02020603050405020304" pitchFamily="18" charset="0"/>
+              </a:rPr>
+              <a:t>Диалоговое окно</a:t>
+            </a:r>
+            <a:endParaRPr lang="ru-RU" sz="2800" dirty="0">
+              <a:latin typeface="Times New Roman" panose="02020603050405020304" pitchFamily="18" charset="0"/>
+              <a:cs typeface="Times New Roman" panose="02020603050405020304" pitchFamily="18" charset="0"/>
+            </a:endParaRPr>
+          </a:p>
+        </p:txBody>
+      </p:sp>
+      <p:pic>
+        <p:nvPicPr>
+          <p:cNvPr id="8" name="Объект 7"/>
+          <p:cNvPicPr>
+            <a:picLocks noGrp="1" noChangeAspect="1"/>
+          </p:cNvPicPr>
+          <p:nvPr>
+            <p:ph sz="quarter" idx="4"/>
+          </p:nvPr>
+        </p:nvPicPr>
+        <p:blipFill>
+          <a:blip r:embed="rId3">
+            <a:extLst>
+              <a:ext uri="{28A0092B-C50C-407E-A947-70E740481C1C}">
+                <a14:useLocalDpi xmlns:a14="http://schemas.microsoft.com/office/drawing/2010/main" val="0"/>
+              </a:ext>
+            </a:extLst>
+          </a:blip>
+          <a:stretch>
+            <a:fillRect/>
+          </a:stretch>
+        </p:blipFill>
+        <p:spPr>
+          <a:xfrm>
+            <a:off x="6040755" y="2079623"/>
+            <a:ext cx="4480560" cy="4511675"/>
+          </a:xfrm>
+          <a:ln>
+            <a:solidFill>
+              <a:schemeClr val="accent1">
+                <a:shade val="50000"/>
+              </a:schemeClr>
+            </a:solidFill>
+          </a:ln>
+        </p:spPr>
+      </p:pic>
+      <p:sp>
+        <p:nvSpPr>
+          <p:cNvPr id="2" name="TextBox 1"/>
+          <p:cNvSpPr txBox="1"/>
+          <p:nvPr/>
+        </p:nvSpPr>
+        <p:spPr>
+          <a:xfrm>
+            <a:off x="523876" y="1710291"/>
+            <a:ext cx="4661154" cy="369332"/>
+          </a:xfrm>
+          <a:prstGeom prst="rect">
+            <a:avLst/>
+          </a:prstGeom>
+          <a:noFill/>
+        </p:spPr>
+        <p:txBody>
+          <a:bodyPr wrap="square" rtlCol="0">
+            <a:spAutoFit/>
+          </a:bodyPr>
+          <a:lstStyle/>
+          <a:p>
+            <a:r>
+              <a:rPr lang="ru-RU" dirty="0" smtClean="0"/>
+              <a:t>Добавление, изменение и удаление книг</a:t>
+            </a:r>
+            <a:endParaRPr lang="ru-RU" dirty="0"/>
+          </a:p>
+        </p:txBody>
+      </p:sp>
+      <p:sp>
+        <p:nvSpPr>
+          <p:cNvPr id="4" name="TextBox 3"/>
+          <p:cNvSpPr txBox="1"/>
+          <p:nvPr/>
+        </p:nvSpPr>
+        <p:spPr>
+          <a:xfrm>
+            <a:off x="5930265" y="1710291"/>
+            <a:ext cx="4480560" cy="369332"/>
+          </a:xfrm>
+          <a:prstGeom prst="rect">
+            <a:avLst/>
+          </a:prstGeom>
+          <a:noFill/>
+        </p:spPr>
+        <p:txBody>
+          <a:bodyPr wrap="square" rtlCol="0">
+            <a:spAutoFit/>
+          </a:bodyPr>
+          <a:lstStyle/>
+          <a:p>
+            <a:r>
+              <a:rPr lang="ru-RU" dirty="0" smtClean="0"/>
+              <a:t>Добавление книги</a:t>
+            </a:r>
+            <a:endParaRPr lang="ru-RU" dirty="0"/>
+          </a:p>
+        </p:txBody>
+      </p:sp>
+    </p:spTree>
+    <p:extLst>
+      <p:ext uri="{BB962C8B-B14F-4D97-AF65-F5344CB8AC3E}">
+        <p14:creationId xmlns:p14="http://schemas.microsoft.com/office/powerpoint/2010/main" val="4060065160"/>
+      </p:ext>
+    </p:extLst>
+  </p:cSld>
+  <p:clrMapOvr>
+    <a:masterClrMapping/>
+  </p:clrMapOvr>
+  <p:timing>
+    <p:tnLst>
+      <p:par>
+        <p:cTn id="1" dur="indefinite" restart="never" nodeType="tmRoot"/>
+      </p:par>
+    </p:tnLst>
+  </p:timing>
+</p:sld>
+</file>
+
+<file path=ppt/slides/slide4.xml><?xml version="1.0" encoding="utf-8"?>
+<p:sld xmlns:a="http://schemas.openxmlformats.org/drawingml/2006/main" xmlns:r="http://schemas.openxmlformats.org/officeDocument/2006/relationships" xmlns:p="http://schemas.openxmlformats.org/presentationml/2006/main">
+  <p:cSld>
+    <p:spTree>
+      <p:nvGrpSpPr>
+        <p:cNvPr id="1" name=""/>
+        <p:cNvGrpSpPr/>
+        <p:nvPr/>
+      </p:nvGrpSpPr>
+      <p:grpSpPr>
+        <a:xfrm>
+          <a:off x="0" y="0"/>
+          <a:ext cx="0" cy="0"/>
+          <a:chOff x="0" y="0"/>
+          <a:chExt cx="0" cy="0"/>
+        </a:xfrm>
+      </p:grpSpPr>
+      <p:sp>
+        <p:nvSpPr>
+          <p:cNvPr id="2" name="Заголовок 1"/>
+          <p:cNvSpPr>
+            <a:spLocks noGrp="1"/>
+          </p:cNvSpPr>
+          <p:nvPr>
+            <p:ph type="title"/>
+          </p:nvPr>
+        </p:nvSpPr>
+        <p:spPr>
+          <a:xfrm>
+            <a:off x="657223" y="109008"/>
+            <a:ext cx="10772775" cy="1658198"/>
+          </a:xfrm>
+        </p:spPr>
+        <p:txBody>
+          <a:bodyPr>
+            <a:normAutofit/>
+          </a:bodyPr>
+          <a:lstStyle/>
+          <a:p>
+            <a:r>
+              <a:rPr lang="ru-RU" sz="3600" dirty="0" smtClean="0">
+                <a:latin typeface="Arial Black" panose="020B0A04020102020204" pitchFamily="34" charset="0"/>
+              </a:rPr>
+              <a:t>Устройство и используемые технологии</a:t>
+            </a:r>
+            <a:endParaRPr lang="ru-RU" sz="3600" dirty="0">
+              <a:latin typeface="Arial Black" panose="020B0A04020102020204" pitchFamily="34" charset="0"/>
+            </a:endParaRPr>
+          </a:p>
+        </p:txBody>
+      </p:sp>
+      <p:sp>
+        <p:nvSpPr>
+          <p:cNvPr id="3" name="Объект 2"/>
+          <p:cNvSpPr>
+            <a:spLocks noGrp="1"/>
+          </p:cNvSpPr>
+          <p:nvPr>
+            <p:ph idx="1"/>
+          </p:nvPr>
+        </p:nvSpPr>
+        <p:spPr>
+          <a:xfrm>
+            <a:off x="657223" y="1927261"/>
+            <a:ext cx="2149671" cy="3699683"/>
+          </a:xfrm>
+          <a:solidFill>
+            <a:schemeClr val="accent1">
+              <a:alpha val="34000"/>
+            </a:schemeClr>
+          </a:solidFill>
+        </p:spPr>
+        <p:txBody>
+          <a:bodyPr/>
+          <a:lstStyle/>
+          <a:p>
+            <a:r>
+              <a:rPr lang="ru-RU" dirty="0" smtClean="0"/>
+              <a:t>Технологии</a:t>
+            </a:r>
+            <a:r>
+              <a:rPr lang="en-US" dirty="0" smtClean="0"/>
+              <a:t>:</a:t>
+            </a:r>
+            <a:endParaRPr lang="ru-RU" dirty="0" smtClean="0"/>
+          </a:p>
+          <a:p>
+            <a:r>
+              <a:rPr lang="ru-RU" dirty="0" smtClean="0"/>
+              <a:t>-</a:t>
+            </a:r>
+            <a:r>
+              <a:rPr lang="en-US" dirty="0" smtClean="0"/>
+              <a:t> Python</a:t>
+            </a:r>
+          </a:p>
+          <a:p>
+            <a:r>
+              <a:rPr lang="en-US" dirty="0" smtClean="0"/>
+              <a:t>- PyQt5</a:t>
+            </a:r>
+          </a:p>
+          <a:p>
+            <a:r>
+              <a:rPr lang="en-US" dirty="0" smtClean="0"/>
+              <a:t>- shelve</a:t>
+            </a:r>
+          </a:p>
+          <a:p>
+            <a:r>
+              <a:rPr lang="en-US" dirty="0" smtClean="0"/>
+              <a:t>- os, path</a:t>
+            </a:r>
+          </a:p>
+          <a:p>
+            <a:r>
+              <a:rPr lang="en-US" dirty="0" smtClean="0"/>
+              <a:t>- sqlite3</a:t>
+            </a:r>
+            <a:endParaRPr lang="en-US" dirty="0" smtClean="0"/>
+          </a:p>
+          <a:p>
+            <a:endParaRPr lang="en-US" dirty="0" smtClean="0"/>
+          </a:p>
+          <a:p>
+            <a:endParaRPr lang="ru-RU" dirty="0"/>
+          </a:p>
+        </p:txBody>
+      </p:sp>
+      <p:pic>
+        <p:nvPicPr>
+          <p:cNvPr id="4" name="Рисунок 3"/>
+          <p:cNvPicPr>
+            <a:picLocks noChangeAspect="1"/>
           </p:cNvPicPr>
           <p:nvPr/>
         </p:nvPicPr>
@@ -3041,48 +4198,322 @@
               </a:ext>
             </a:extLst>
           </a:blip>
-          <a:srcRect/>
           <a:stretch>
             <a:fillRect/>
           </a:stretch>
         </p:blipFill>
-        <p:spPr bwMode="auto">
+        <p:spPr>
           <a:xfrm>
-            <a:off x="219075" y="690561"/>
-            <a:ext cx="3419475" cy="5567363"/>
+            <a:off x="3101277" y="1927261"/>
+            <a:ext cx="2647950" cy="3699683"/>
           </a:xfrm>
           <a:prstGeom prst="rect">
             <a:avLst/>
           </a:prstGeom>
-          <a:noFill/>
-          <a:extLst>
-            <a:ext uri="{909E8E84-426E-40DD-AFC4-6F175D3DCCD1}">
-              <a14:hiddenFill xmlns:a14="http://schemas.microsoft.com/office/drawing/2010/main">
-                <a:solidFill>
-                  <a:srgbClr val="FFFFFF"/>
-                </a:solidFill>
-              </a14:hiddenFill>
-            </a:ext>
-          </a:extLst>
         </p:spPr>
       </p:pic>
+      <p:sp>
+        <p:nvSpPr>
+          <p:cNvPr id="5" name="TextBox 4"/>
+          <p:cNvSpPr txBox="1"/>
+          <p:nvPr/>
+        </p:nvSpPr>
+        <p:spPr>
+          <a:xfrm>
+            <a:off x="6043610" y="1927261"/>
+            <a:ext cx="4163627" cy="4524315"/>
+          </a:xfrm>
+          <a:prstGeom prst="rect">
+            <a:avLst/>
+          </a:prstGeom>
+          <a:solidFill>
+            <a:schemeClr val="accent1">
+              <a:alpha val="34000"/>
+            </a:schemeClr>
+          </a:solidFill>
+        </p:spPr>
+        <p:txBody>
+          <a:bodyPr wrap="square" rtlCol="0">
+            <a:spAutoFit/>
+          </a:bodyPr>
+          <a:lstStyle/>
+          <a:p>
+            <a:r>
+              <a:rPr lang="ru-RU" sz="2400" dirty="0" smtClean="0"/>
+              <a:t>Проект включает</a:t>
+            </a:r>
+            <a:r>
+              <a:rPr lang="en-US" sz="2400" dirty="0" smtClean="0"/>
+              <a:t>:</a:t>
+            </a:r>
+            <a:endParaRPr lang="ru-RU" sz="2400" dirty="0" smtClean="0"/>
+          </a:p>
+          <a:p>
+            <a:r>
+              <a:rPr lang="en-US" sz="2400" dirty="0" smtClean="0"/>
+              <a:t>- </a:t>
+            </a:r>
+            <a:r>
+              <a:rPr lang="ru-RU" sz="2400" dirty="0" smtClean="0"/>
+              <a:t>2 </a:t>
+            </a:r>
+            <a:r>
+              <a:rPr lang="en-US" sz="2400" dirty="0" smtClean="0"/>
+              <a:t>.py </a:t>
+            </a:r>
+            <a:r>
+              <a:rPr lang="ru-RU" sz="2400" dirty="0" smtClean="0"/>
+              <a:t>файла (каталог и диалоговое окно)</a:t>
+            </a:r>
+          </a:p>
+          <a:p>
+            <a:r>
+              <a:rPr lang="en-US" sz="2400" dirty="0" smtClean="0"/>
+              <a:t>- </a:t>
+            </a:r>
+            <a:r>
+              <a:rPr lang="ru-RU" sz="2400" dirty="0" smtClean="0"/>
+              <a:t>2 .</a:t>
+            </a:r>
+            <a:r>
+              <a:rPr lang="en-US" sz="2400" dirty="0" smtClean="0"/>
+              <a:t>ui </a:t>
+            </a:r>
+            <a:r>
+              <a:rPr lang="ru-RU" sz="2400" dirty="0" smtClean="0"/>
+              <a:t>файла (дизайн)</a:t>
+            </a:r>
+          </a:p>
+          <a:p>
+            <a:r>
+              <a:rPr lang="ru-RU" sz="2400" dirty="0" smtClean="0"/>
+              <a:t>- БД с 2 таблицами</a:t>
+            </a:r>
+          </a:p>
+          <a:p>
+            <a:r>
+              <a:rPr lang="ru-RU" sz="2400" dirty="0" smtClean="0"/>
+              <a:t>- Изображения для программы</a:t>
+            </a:r>
+          </a:p>
+          <a:p>
+            <a:r>
+              <a:rPr lang="ru-RU" sz="2400" dirty="0" smtClean="0"/>
+              <a:t>- </a:t>
+            </a:r>
+            <a:r>
+              <a:rPr lang="en-US" sz="2400" dirty="0" smtClean="0"/>
+              <a:t>3 </a:t>
+            </a:r>
+            <a:r>
+              <a:rPr lang="ru-RU" sz="2400" dirty="0" smtClean="0"/>
+              <a:t>файла </a:t>
+            </a:r>
+            <a:r>
+              <a:rPr lang="en-US" sz="2400" dirty="0" smtClean="0"/>
+              <a:t>‘nigi’ – </a:t>
+            </a:r>
+            <a:r>
+              <a:rPr lang="ru-RU" sz="2400" dirty="0" smtClean="0"/>
+              <a:t>для хранения информации</a:t>
+            </a:r>
+          </a:p>
+          <a:p>
+            <a:r>
+              <a:rPr lang="ru-RU" sz="2400" dirty="0" smtClean="0"/>
+              <a:t>- 2 папки для хранения текстовых файлов и изображений для книг</a:t>
+            </a:r>
+          </a:p>
+        </p:txBody>
+      </p:sp>
     </p:spTree>
     <p:extLst>
       <p:ext uri="{BB962C8B-B14F-4D97-AF65-F5344CB8AC3E}">
-        <p14:creationId xmlns:p14="http://schemas.microsoft.com/office/powerpoint/2010/main" val="4030713404"/>
+        <p14:creationId xmlns:p14="http://schemas.microsoft.com/office/powerpoint/2010/main" val="2603899296"/>
       </p:ext>
     </p:extLst>
   </p:cSld>
   <p:clrMapOvr>
     <a:masterClrMapping/>
   </p:clrMapOvr>
+  <p:timing>
+    <p:tnLst>
+      <p:par>
+        <p:cTn id="1" dur="indefinite" restart="never" nodeType="tmRoot"/>
+      </p:par>
+    </p:tnLst>
+  </p:timing>
+</p:sld>
+</file>
+
+<file path=ppt/slides/slide5.xml><?xml version="1.0" encoding="utf-8"?>
+<p:sld xmlns:a="http://schemas.openxmlformats.org/drawingml/2006/main" xmlns:r="http://schemas.openxmlformats.org/officeDocument/2006/relationships" xmlns:p="http://schemas.openxmlformats.org/presentationml/2006/main">
+  <p:cSld>
+    <p:spTree>
+      <p:nvGrpSpPr>
+        <p:cNvPr id="1" name=""/>
+        <p:cNvGrpSpPr/>
+        <p:nvPr/>
+      </p:nvGrpSpPr>
+      <p:grpSpPr>
+        <a:xfrm>
+          <a:off x="0" y="0"/>
+          <a:ext cx="0" cy="0"/>
+          <a:chOff x="0" y="0"/>
+          <a:chExt cx="0" cy="0"/>
+        </a:xfrm>
+      </p:grpSpPr>
+      <p:pic>
+        <p:nvPicPr>
+          <p:cNvPr id="2" name="Рисунок 1"/>
+          <p:cNvPicPr>
+            <a:picLocks noChangeAspect="1"/>
+          </p:cNvPicPr>
+          <p:nvPr/>
+        </p:nvPicPr>
+        <p:blipFill>
+          <a:blip r:embed="rId2">
+            <a:extLst>
+              <a:ext uri="{28A0092B-C50C-407E-A947-70E740481C1C}">
+                <a14:useLocalDpi xmlns:a14="http://schemas.microsoft.com/office/drawing/2010/main" val="0"/>
+              </a:ext>
+            </a:extLst>
+          </a:blip>
+          <a:stretch>
+            <a:fillRect/>
+          </a:stretch>
+        </p:blipFill>
+        <p:spPr>
+          <a:xfrm>
+            <a:off x="0" y="0"/>
+            <a:ext cx="12192000" cy="6858000"/>
+          </a:xfrm>
+          <a:prstGeom prst="rect">
+            <a:avLst/>
+          </a:prstGeom>
+        </p:spPr>
+      </p:pic>
+      <p:sp>
+        <p:nvSpPr>
+          <p:cNvPr id="4" name="Прямоугольник 3"/>
+          <p:cNvSpPr/>
+          <p:nvPr/>
+        </p:nvSpPr>
+        <p:spPr>
+          <a:xfrm>
+            <a:off x="0" y="0"/>
+            <a:ext cx="12192000" cy="1076325"/>
+          </a:xfrm>
+          <a:prstGeom prst="rect">
+            <a:avLst/>
+          </a:prstGeom>
+          <a:solidFill>
+            <a:schemeClr val="tx1"/>
+          </a:solidFill>
+        </p:spPr>
+        <p:style>
+          <a:lnRef idx="2">
+            <a:schemeClr val="accent1">
+              <a:shade val="50000"/>
+            </a:schemeClr>
+          </a:lnRef>
+          <a:fillRef idx="1">
+            <a:schemeClr val="accent1"/>
+          </a:fillRef>
+          <a:effectRef idx="0">
+            <a:schemeClr val="accent1"/>
+          </a:effectRef>
+          <a:fontRef idx="minor">
+            <a:schemeClr val="lt1"/>
+          </a:fontRef>
+        </p:style>
+        <p:txBody>
+          <a:bodyPr rtlCol="0" anchor="ctr"/>
+          <a:lstStyle/>
+          <a:p>
+            <a:pPr algn="ctr"/>
+            <a:endParaRPr lang="ru-RU"/>
+          </a:p>
+        </p:txBody>
+      </p:sp>
+      <p:sp>
+        <p:nvSpPr>
+          <p:cNvPr id="3" name="TextBox 2"/>
+          <p:cNvSpPr txBox="1"/>
+          <p:nvPr/>
+        </p:nvSpPr>
+        <p:spPr>
+          <a:xfrm>
+            <a:off x="1047750" y="276552"/>
+            <a:ext cx="11439525" cy="523220"/>
+          </a:xfrm>
+          <a:prstGeom prst="rect">
+            <a:avLst/>
+          </a:prstGeom>
+          <a:noFill/>
+        </p:spPr>
+        <p:txBody>
+          <a:bodyPr wrap="square" rtlCol="0">
+            <a:spAutoFit/>
+          </a:bodyPr>
+          <a:lstStyle/>
+          <a:p>
+            <a:r>
+              <a:rPr lang="ru-RU" sz="2800" dirty="0" smtClean="0">
+                <a:solidFill>
+                  <a:schemeClr val="bg1"/>
+                </a:solidFill>
+              </a:rPr>
+              <a:t>Спасибо за внимание! </a:t>
+            </a:r>
+            <a:r>
+              <a:rPr lang="ru-RU" sz="2800" dirty="0">
+                <a:solidFill>
+                  <a:schemeClr val="bg1"/>
+                </a:solidFill>
+              </a:rPr>
+              <a:t>Да хранит вас Бог-Император </a:t>
+            </a:r>
+            <a:r>
+              <a:rPr lang="ru-RU" sz="2800" dirty="0" smtClean="0">
+                <a:solidFill>
+                  <a:schemeClr val="bg1"/>
+                </a:solidFill>
+              </a:rPr>
+              <a:t>Человечества</a:t>
+            </a:r>
+            <a:endParaRPr lang="ru-RU" sz="2800" dirty="0">
+              <a:solidFill>
+                <a:schemeClr val="bg1"/>
+              </a:solidFill>
+            </a:endParaRPr>
+          </a:p>
+        </p:txBody>
+      </p:sp>
+    </p:spTree>
+    <p:extLst>
+      <p:ext uri="{BB962C8B-B14F-4D97-AF65-F5344CB8AC3E}">
+        <p14:creationId xmlns:p14="http://schemas.microsoft.com/office/powerpoint/2010/main" val="1966779442"/>
+      </p:ext>
+    </p:extLst>
+  </p:cSld>
+  <p:clrMapOvr>
+    <a:masterClrMapping/>
+  </p:clrMapOvr>
+  <p:timing>
+    <p:tnLst>
+      <p:par>
+        <p:cTn id="1" dur="indefinite" restart="never" nodeType="tmRoot"/>
+      </p:par>
+    </p:tnLst>
+  </p:timing>
 </p:sld>
 </file>
 
 <file path=ppt/theme/theme1.xml><?xml version="1.0" encoding="utf-8"?>
-<a:theme xmlns:a="http://schemas.openxmlformats.org/drawingml/2006/main" name="Тема Office">
+<a:theme xmlns:a="http://schemas.openxmlformats.org/drawingml/2006/main" name="Метрополия">
   <a:themeElements>
-    <a:clrScheme name="Стандартная">
+    <a:clrScheme name="Метрополия">
       <a:dk1>
         <a:sysClr val="windowText" lastClr="000000"/>
       </a:dk1>
@@ -3090,44 +4521,44 @@
         <a:sysClr val="window" lastClr="FFFFFF"/>
       </a:lt1>
       <a:dk2>
-        <a:srgbClr val="44546A"/>
+        <a:srgbClr val="162F33"/>
       </a:dk2>
       <a:lt2>
-        <a:srgbClr val="E7E6E6"/>
+        <a:srgbClr val="EAF0E0"/>
       </a:lt2>
       <a:accent1>
-        <a:srgbClr val="5B9BD5"/>
+        <a:srgbClr val="50B4C8"/>
       </a:accent1>
       <a:accent2>
-        <a:srgbClr val="ED7D31"/>
+        <a:srgbClr val="A8B97F"/>
       </a:accent2>
       <a:accent3>
-        <a:srgbClr val="A5A5A5"/>
+        <a:srgbClr val="9B9256"/>
       </a:accent3>
       <a:accent4>
-        <a:srgbClr val="FFC000"/>
+        <a:srgbClr val="657689"/>
       </a:accent4>
       <a:accent5>
-        <a:srgbClr val="4472C4"/>
+        <a:srgbClr val="7A855D"/>
       </a:accent5>
       <a:accent6>
-        <a:srgbClr val="70AD47"/>
+        <a:srgbClr val="84AC9D"/>
       </a:accent6>
       <a:hlink>
-        <a:srgbClr val="0563C1"/>
+        <a:srgbClr val="2370CD"/>
       </a:hlink>
       <a:folHlink>
-        <a:srgbClr val="954F72"/>
+        <a:srgbClr val="877589"/>
       </a:folHlink>
     </a:clrScheme>
-    <a:fontScheme name="Стандартная">
+    <a:fontScheme name="Метрополия">
       <a:majorFont>
         <a:latin typeface="Calibri Light" panose="020F0302020204030204"/>
         <a:ea typeface=""/>
         <a:cs typeface=""/>
-        <a:font script="Jpan" typeface="游ゴシック Light"/>
+        <a:font script="Jpan" typeface="ＭＳ Ｐゴシック"/>
         <a:font script="Hang" typeface="맑은 고딕"/>
-        <a:font script="Hans" typeface="等线 Light"/>
+        <a:font script="Hans" typeface="宋体"/>
         <a:font script="Hant" typeface="新細明體"/>
         <a:font script="Arab" typeface="Times New Roman"/>
         <a:font script="Hebr" typeface="Times New Roman"/>
@@ -3157,20 +4588,20 @@
         <a:font script="Geor" typeface="Sylfaen"/>
       </a:majorFont>
       <a:minorFont>
-        <a:latin typeface="Calibri" panose="020F0502020204030204"/>
+        <a:latin typeface="Calibri Light" panose="020F0302020204030204"/>
         <a:ea typeface=""/>
         <a:cs typeface=""/>
-        <a:font script="Jpan" typeface="游ゴシック"/>
+        <a:font script="Jpan" typeface="ＭＳ Ｐゴシック"/>
         <a:font script="Hang" typeface="맑은 고딕"/>
-        <a:font script="Hans" typeface="等线"/>
+        <a:font script="Hans" typeface="宋体"/>
         <a:font script="Hant" typeface="新細明體"/>
-        <a:font script="Arab" typeface="Arial"/>
-        <a:font script="Hebr" typeface="Arial"/>
-        <a:font script="Thai" typeface="Cordia New"/>
+        <a:font script="Arab" typeface="Times New Roman"/>
+        <a:font script="Hebr" typeface="Times New Roman"/>
+        <a:font script="Thai" typeface="Angsana New"/>
         <a:font script="Ethi" typeface="Nyala"/>
         <a:font script="Beng" typeface="Vrinda"/>
         <a:font script="Gujr" typeface="Shruti"/>
-        <a:font script="Khmr" typeface="DaunPenh"/>
+        <a:font script="Khmr" typeface="MoolBoran"/>
         <a:font script="Knda" typeface="Tunga"/>
         <a:font script="Guru" typeface="Raavi"/>
         <a:font script="Cans" typeface="Euphemia"/>
@@ -3187,12 +4618,12 @@
         <a:font script="Laoo" typeface="DokChampa"/>
         <a:font script="Sinh" typeface="Iskoola Pota"/>
         <a:font script="Mong" typeface="Mongolian Baiti"/>
-        <a:font script="Viet" typeface="Arial"/>
+        <a:font script="Viet" typeface="Times New Roman"/>
         <a:font script="Uigh" typeface="Microsoft Uighur"/>
         <a:font script="Geor" typeface="Sylfaen"/>
       </a:minorFont>
     </a:fontScheme>
-    <a:fmtScheme name="Стандартная">
+    <a:fmtScheme name="Метрополия">
       <a:fillStyleLst>
         <a:solidFill>
           <a:schemeClr val="phClr"/>
@@ -3201,76 +4632,73 @@
           <a:gsLst>
             <a:gs pos="0">
               <a:schemeClr val="phClr">
+                <a:tint val="70000"/>
+                <a:satMod val="100000"/>
                 <a:lumMod val="110000"/>
-                <a:satMod val="105000"/>
-                <a:tint val="67000"/>
               </a:schemeClr>
             </a:gs>
             <a:gs pos="50000">
               <a:schemeClr val="phClr">
+                <a:tint val="75000"/>
+                <a:satMod val="101000"/>
                 <a:lumMod val="105000"/>
-                <a:satMod val="103000"/>
-                <a:tint val="73000"/>
               </a:schemeClr>
             </a:gs>
             <a:gs pos="100000">
               <a:schemeClr val="phClr">
+                <a:tint val="82000"/>
+                <a:satMod val="104000"/>
                 <a:lumMod val="105000"/>
-                <a:satMod val="109000"/>
-                <a:tint val="81000"/>
               </a:schemeClr>
             </a:gs>
           </a:gsLst>
-          <a:lin ang="5400000" scaled="0"/>
+          <a:lin ang="2700000" scaled="0"/>
         </a:gradFill>
         <a:gradFill rotWithShape="1">
           <a:gsLst>
             <a:gs pos="0">
               <a:schemeClr val="phClr">
-                <a:satMod val="103000"/>
+                <a:tint val="97000"/>
+                <a:satMod val="100000"/>
                 <a:lumMod val="102000"/>
-                <a:tint val="94000"/>
               </a:schemeClr>
             </a:gs>
             <a:gs pos="50000">
               <a:schemeClr val="phClr">
-                <a:satMod val="110000"/>
+                <a:shade val="100000"/>
+                <a:satMod val="100000"/>
                 <a:lumMod val="100000"/>
-                <a:shade val="100000"/>
               </a:schemeClr>
             </a:gs>
             <a:gs pos="100000">
               <a:schemeClr val="phClr">
+                <a:shade val="80000"/>
+                <a:satMod val="100000"/>
                 <a:lumMod val="99000"/>
-                <a:satMod val="120000"/>
-                <a:shade val="78000"/>
               </a:schemeClr>
             </a:gs>
           </a:gsLst>
-          <a:lin ang="5400000" scaled="0"/>
+          <a:lin ang="2700000" scaled="0"/>
         </a:gradFill>
       </a:fillStyleLst>
       <a:lnStyleLst>
-        <a:ln w="6350" cap="flat" cmpd="sng" algn="ctr">
+        <a:ln w="9525" cap="flat" cmpd="sng" algn="ctr">
           <a:solidFill>
             <a:schemeClr val="phClr"/>
           </a:solidFill>
           <a:prstDash val="solid"/>
-          <a:miter lim="800000"/>
         </a:ln>
         <a:ln w="12700" cap="flat" cmpd="sng" algn="ctr">
           <a:solidFill>
             <a:schemeClr val="phClr"/>
           </a:solidFill>
           <a:prstDash val="solid"/>
-          <a:miter lim="800000"/>
         </a:ln>
         <a:ln w="19050" cap="flat" cmpd="sng" algn="ctr">
           <a:solidFill>
             <a:schemeClr val="phClr"/>
           </a:solidFill>
           <a:prstDash val="solid"/>
-          <a:miter lim="800000"/>
         </a:ln>
       </a:lnStyleLst>
       <a:effectStyleLst>
@@ -3300,33 +4728,12 @@
             <a:satMod val="170000"/>
           </a:schemeClr>
         </a:solidFill>
-        <a:gradFill rotWithShape="1">
-          <a:gsLst>
-            <a:gs pos="0">
-              <a:schemeClr val="phClr">
-                <a:tint val="93000"/>
-                <a:satMod val="150000"/>
-                <a:shade val="98000"/>
-                <a:lumMod val="102000"/>
-              </a:schemeClr>
-            </a:gs>
-            <a:gs pos="50000">
-              <a:schemeClr val="phClr">
-                <a:tint val="98000"/>
-                <a:satMod val="130000"/>
-                <a:shade val="90000"/>
-                <a:lumMod val="103000"/>
-              </a:schemeClr>
-            </a:gs>
-            <a:gs pos="100000">
-              <a:schemeClr val="phClr">
-                <a:shade val="63000"/>
-                <a:satMod val="120000"/>
-              </a:schemeClr>
-            </a:gs>
-          </a:gsLst>
-          <a:lin ang="5400000" scaled="0"/>
-        </a:gradFill>
+        <a:solidFill>
+          <a:schemeClr val="phClr">
+            <a:shade val="95000"/>
+            <a:satMod val="170000"/>
+          </a:schemeClr>
+        </a:solidFill>
       </a:bgFillStyleLst>
     </a:fmtScheme>
   </a:themeElements>
@@ -3334,7 +4741,7 @@
   <a:extraClrSchemeLst/>
   <a:extLst>
     <a:ext uri="{05A4C25C-085E-4340-85A3-A5531E510DB2}">
-      <thm15:themeFamily xmlns:thm15="http://schemas.microsoft.com/office/thememl/2012/main" name="Office Theme" id="{62F939B6-93AF-4DB8-9C6B-D6C7DFDC589F}" vid="{4A3C46E8-61CC-4603-A589-7422A47A8E4A}"/>
+      <thm15:themeFamily xmlns:thm15="http://schemas.microsoft.com/office/thememl/2012/main" name="Metropolitan" id="{4C5440D6-04D2-4954-96CF-F251137069B2}" vid="{79CFCA13-9412-4290-BB4B-85112F88857B}"/>
     </a:ext>
   </a:extLst>
 </a:theme>
